--- a/img/Aldeia da Serra Project.pptx
+++ b/img/Aldeia da Serra Project.pptx
@@ -7,6 +7,7 @@
   <p:sldIdLst>
     <p:sldId id="256" r:id="rId3"/>
     <p:sldId id="259" r:id="rId4"/>
+    <p:sldId id="260" r:id="rId5"/>
   </p:sldIdLst>
   <p:sldSz cx="12192000" cy="6858000"/>
   <p:notesSz cx="7103745" cy="10234295"/>
@@ -2855,10 +2856,10 @@
           <a:p>
             <a:pPr algn="ctr"/>
             <a:r>
-              <a:rPr lang="" altLang="en-US" sz="1200" b="1"/>
+              <a:rPr lang="en-US" altLang="en-US" sz="1200" b="1"/>
               <a:t>1</a:t>
             </a:r>
-            <a:endParaRPr lang="" altLang="en-US" sz="1200" b="1"/>
+            <a:endParaRPr lang="en-US" altLang="en-US" sz="1200" b="1"/>
           </a:p>
         </p:txBody>
       </p:sp>
@@ -2904,10 +2905,10 @@
           <a:p>
             <a:pPr algn="ctr"/>
             <a:r>
-              <a:rPr lang="" altLang="en-US" sz="1200" b="1"/>
+              <a:rPr lang="en-US" altLang="en-US" sz="1200" b="1"/>
               <a:t>2</a:t>
             </a:r>
-            <a:endParaRPr lang="" altLang="en-US" sz="1200" b="1"/>
+            <a:endParaRPr lang="en-US" altLang="en-US" sz="1200" b="1"/>
           </a:p>
         </p:txBody>
       </p:sp>
@@ -2953,10 +2954,10 @@
           <a:p>
             <a:pPr algn="ctr"/>
             <a:r>
-              <a:rPr lang="" altLang="en-US" sz="1200" b="1"/>
+              <a:rPr lang="en-US" altLang="en-US" sz="1200" b="1"/>
               <a:t>3</a:t>
             </a:r>
-            <a:endParaRPr lang="" altLang="en-US" sz="1200" b="1"/>
+            <a:endParaRPr lang="en-US" altLang="en-US" sz="1200" b="1"/>
           </a:p>
         </p:txBody>
       </p:sp>
@@ -3002,10 +3003,10 @@
           <a:p>
             <a:pPr algn="ctr"/>
             <a:r>
-              <a:rPr lang="" altLang="en-US" sz="1200" b="1"/>
+              <a:rPr lang="en-US" altLang="en-US" sz="1200" b="1"/>
               <a:t>4</a:t>
             </a:r>
-            <a:endParaRPr lang="" altLang="en-US" sz="1200" b="1"/>
+            <a:endParaRPr lang="en-US" altLang="en-US" sz="1200" b="1"/>
           </a:p>
         </p:txBody>
       </p:sp>
@@ -3051,10 +3052,10 @@
           <a:p>
             <a:pPr algn="ctr"/>
             <a:r>
-              <a:rPr lang="" altLang="en-US" sz="1200" b="1"/>
+              <a:rPr lang="en-US" altLang="en-US" sz="1200" b="1"/>
               <a:t>5</a:t>
             </a:r>
-            <a:endParaRPr lang="" altLang="en-US" sz="1200" b="1"/>
+            <a:endParaRPr lang="en-US" altLang="en-US" sz="1200" b="1"/>
           </a:p>
         </p:txBody>
       </p:sp>
@@ -3100,10 +3101,10 @@
           <a:p>
             <a:pPr algn="ctr"/>
             <a:r>
-              <a:rPr lang="" altLang="en-US" sz="1200" b="1"/>
+              <a:rPr lang="en-US" altLang="en-US" sz="1200" b="1"/>
               <a:t>6</a:t>
             </a:r>
-            <a:endParaRPr lang="" altLang="en-US" sz="1200" b="1"/>
+            <a:endParaRPr lang="en-US" altLang="en-US" sz="1200" b="1"/>
           </a:p>
         </p:txBody>
       </p:sp>
@@ -3149,10 +3150,10 @@
           <a:p>
             <a:pPr algn="ctr"/>
             <a:r>
-              <a:rPr lang="" altLang="en-US" sz="1200" b="1"/>
+              <a:rPr lang="en-US" altLang="en-US" sz="1200" b="1"/>
               <a:t>7</a:t>
             </a:r>
-            <a:endParaRPr lang="" altLang="en-US" sz="1200" b="1"/>
+            <a:endParaRPr lang="en-US" altLang="en-US" sz="1200" b="1"/>
           </a:p>
         </p:txBody>
       </p:sp>
@@ -3198,10 +3199,10 @@
           <a:p>
             <a:pPr algn="ctr"/>
             <a:r>
-              <a:rPr lang="" altLang="en-US" sz="1200" b="1"/>
+              <a:rPr lang="en-US" altLang="en-US" sz="1200" b="1"/>
               <a:t>8</a:t>
             </a:r>
-            <a:endParaRPr lang="" altLang="en-US" sz="1200" b="1"/>
+            <a:endParaRPr lang="en-US" altLang="en-US" sz="1200" b="1"/>
           </a:p>
         </p:txBody>
       </p:sp>
@@ -3224,6 +3225,48 @@
           <a:xfrm>
             <a:off x="1066800" y="831215"/>
             <a:ext cx="11801475" cy="552450"/>
+          </a:xfrm>
+          <a:prstGeom prst="rect">
+            <a:avLst/>
+          </a:prstGeom>
+        </p:spPr>
+      </p:pic>
+    </p:spTree>
+  </p:cSld>
+  <p:clrMapOvr>
+    <a:masterClrMapping/>
+  </p:clrMapOvr>
+</p:sld>
+</file>
+
+<file path=ppt/slides/slide3.xml><?xml version="1.0" encoding="utf-8"?>
+<p:sld xmlns:a="http://schemas.openxmlformats.org/drawingml/2006/main" xmlns:r="http://schemas.openxmlformats.org/officeDocument/2006/relationships" xmlns:p="http://schemas.openxmlformats.org/presentationml/2006/main">
+  <p:cSld>
+    <p:spTree>
+      <p:nvGrpSpPr>
+        <p:cNvPr id="1" name=""/>
+        <p:cNvGrpSpPr/>
+        <p:nvPr/>
+      </p:nvGrpSpPr>
+      <p:grpSpPr/>
+      <p:pic>
+        <p:nvPicPr>
+          <p:cNvPr id="4" name="Picture 3"/>
+          <p:cNvPicPr>
+            <a:picLocks noChangeAspect="1"/>
+          </p:cNvPicPr>
+          <p:nvPr/>
+        </p:nvPicPr>
+        <p:blipFill>
+          <a:blip r:embed="rId1"/>
+          <a:stretch>
+            <a:fillRect/>
+          </a:stretch>
+        </p:blipFill>
+        <p:spPr>
+          <a:xfrm>
+            <a:off x="1284605" y="118110"/>
+            <a:ext cx="9723755" cy="6622415"/>
           </a:xfrm>
           <a:prstGeom prst="rect">
             <a:avLst/>

--- a/img/Aldeia da Serra Project.pptx
+++ b/img/Aldeia da Serra Project.pptx
@@ -2646,7 +2646,7 @@
         </p:blipFill>
         <p:spPr>
           <a:xfrm>
-            <a:off x="-25400" y="-33020"/>
+            <a:off x="-26035" y="330200"/>
             <a:ext cx="12243435" cy="7646035"/>
           </a:xfrm>
           <a:prstGeom prst="rect">
@@ -2753,6 +2753,16 @@
           <a:p>
             <a:pPr algn="ctr"/>
             <a:r>
+              <a:rPr lang="" altLang="en-US" sz="4400" b="1">
+                <a:solidFill>
+                  <a:schemeClr val="bg1"/>
+                </a:solidFill>
+                <a:latin typeface="Gubbi" panose="00000400000000000000" charset="0"/>
+                <a:cs typeface="Gubbi" panose="00000400000000000000" charset="0"/>
+              </a:rPr>
+              <a:t>s</a:t>
+            </a:r>
+            <a:r>
               <a:rPr lang="en-US" altLang="en-US" sz="4400" b="1">
                 <a:solidFill>
                   <a:schemeClr val="bg1"/>
@@ -2760,9 +2770,19 @@
                 <a:latin typeface="Gubbi" panose="00000400000000000000" charset="0"/>
                 <a:cs typeface="Gubbi" panose="00000400000000000000" charset="0"/>
               </a:rPr>
-              <a:t>web scraping</a:t>
-            </a:r>
-            <a:endParaRPr lang="en-US" altLang="en-US" sz="4400" b="1">
+              <a:t>craping </a:t>
+            </a:r>
+            <a:r>
+              <a:rPr lang="" altLang="en-US" sz="4400" b="1">
+                <a:solidFill>
+                  <a:schemeClr val="bg1"/>
+                </a:solidFill>
+                <a:latin typeface="Gubbi" panose="00000400000000000000" charset="0"/>
+                <a:cs typeface="Gubbi" panose="00000400000000000000" charset="0"/>
+              </a:rPr>
+              <a:t>| etl | eda | ml | deploy</a:t>
+            </a:r>
+            <a:endParaRPr lang="" altLang="en-US" sz="4400" b="1">
               <a:solidFill>
                 <a:schemeClr val="bg1"/>
               </a:solidFill>

--- a/img/Aldeia da Serra Project.pptx
+++ b/img/Aldeia da Serra Project.pptx
@@ -4,10 +4,14 @@
   <p:sldMasterIdLst>
     <p:sldMasterId id="2147483648" r:id="rId1"/>
   </p:sldMasterIdLst>
+  <p:notesMasterIdLst>
+    <p:notesMasterId r:id="rId7"/>
+  </p:notesMasterIdLst>
   <p:sldIdLst>
     <p:sldId id="256" r:id="rId3"/>
     <p:sldId id="259" r:id="rId4"/>
     <p:sldId id="260" r:id="rId5"/>
+    <p:sldId id="261" r:id="rId6"/>
   </p:sldIdLst>
   <p:sldSz cx="12192000" cy="6858000"/>
   <p:notesSz cx="7103745" cy="10234295"/>
@@ -109,6 +113,397 @@
 </p:presentation>
 </file>
 
+<file path=ppt/notesMasters/notesMaster1.xml><?xml version="1.0" encoding="utf-8"?>
+<p:notesMaster xmlns:a="http://schemas.openxmlformats.org/drawingml/2006/main" xmlns:r="http://schemas.openxmlformats.org/officeDocument/2006/relationships" xmlns:p="http://schemas.openxmlformats.org/presentationml/2006/main">
+  <p:cSld>
+    <p:bg>
+      <p:bgRef idx="1001">
+        <a:schemeClr val="bg1"/>
+      </p:bgRef>
+    </p:bg>
+    <p:spTree>
+      <p:nvGrpSpPr>
+        <p:cNvPr id="1" name=""/>
+        <p:cNvGrpSpPr/>
+        <p:nvPr/>
+      </p:nvGrpSpPr>
+      <p:grpSpPr>
+        <a:xfrm>
+          <a:off x="0" y="0"/>
+          <a:ext cx="0" cy="0"/>
+          <a:chOff x="0" y="0"/>
+          <a:chExt cx="0" cy="0"/>
+        </a:xfrm>
+      </p:grpSpPr>
+      <p:sp>
+        <p:nvSpPr>
+          <p:cNvPr id="2" name="Header Placeholder 1"/>
+          <p:cNvSpPr>
+            <a:spLocks noGrp="1"/>
+          </p:cNvSpPr>
+          <p:nvPr>
+            <p:ph type="hdr" sz="quarter"/>
+          </p:nvPr>
+        </p:nvSpPr>
+        <p:spPr>
+          <a:xfrm>
+            <a:off x="0" y="0"/>
+            <a:ext cx="3078290" cy="513492"/>
+          </a:xfrm>
+          <a:prstGeom prst="rect">
+            <a:avLst/>
+          </a:prstGeom>
+        </p:spPr>
+        <p:txBody>
+          <a:bodyPr vert="horz" lIns="91440" tIns="45720" rIns="91440" bIns="45720" rtlCol="0"/>
+          <a:lstStyle>
+            <a:lvl1pPr algn="l">
+              <a:defRPr sz="1200"/>
+            </a:lvl1pPr>
+          </a:lstStyle>
+          <a:p>
+            <a:endParaRPr lang="en-US"/>
+          </a:p>
+        </p:txBody>
+      </p:sp>
+      <p:sp>
+        <p:nvSpPr>
+          <p:cNvPr id="3" name="Date Placeholder 2"/>
+          <p:cNvSpPr>
+            <a:spLocks noGrp="1"/>
+          </p:cNvSpPr>
+          <p:nvPr>
+            <p:ph type="dt" idx="1"/>
+          </p:nvPr>
+        </p:nvSpPr>
+        <p:spPr>
+          <a:xfrm>
+            <a:off x="4023812" y="0"/>
+            <a:ext cx="3078290" cy="513492"/>
+          </a:xfrm>
+          <a:prstGeom prst="rect">
+            <a:avLst/>
+          </a:prstGeom>
+        </p:spPr>
+        <p:txBody>
+          <a:bodyPr vert="horz" lIns="91440" tIns="45720" rIns="91440" bIns="45720" rtlCol="0"/>
+          <a:lstStyle>
+            <a:lvl1pPr algn="r">
+              <a:defRPr sz="1200"/>
+            </a:lvl1pPr>
+          </a:lstStyle>
+          <a:p>
+            <a:fld id="{3EFD42F7-718C-4B98-AAEC-167E6DDD60A7}" type="datetimeFigureOut">
+              <a:rPr lang="en-US" smtClean="0"/>
+            </a:fld>
+            <a:endParaRPr lang="en-US"/>
+          </a:p>
+        </p:txBody>
+      </p:sp>
+      <p:sp>
+        <p:nvSpPr>
+          <p:cNvPr id="4" name="Slide Image Placeholder 3"/>
+          <p:cNvSpPr>
+            <a:spLocks noGrp="1" noRot="1" noChangeAspect="1"/>
+          </p:cNvSpPr>
+          <p:nvPr>
+            <p:ph type="sldImg" idx="2"/>
+          </p:nvPr>
+        </p:nvSpPr>
+        <p:spPr>
+          <a:xfrm>
+            <a:off x="481584" y="1279287"/>
+            <a:ext cx="6140577" cy="3454075"/>
+          </a:xfrm>
+          <a:prstGeom prst="rect">
+            <a:avLst/>
+          </a:prstGeom>
+          <a:noFill/>
+          <a:ln w="12700">
+            <a:solidFill>
+              <a:prstClr val="black"/>
+            </a:solidFill>
+          </a:ln>
+        </p:spPr>
+        <p:txBody>
+          <a:bodyPr vert="horz" lIns="91440" tIns="45720" rIns="91440" bIns="45720" rtlCol="0" anchor="ctr"/>
+          <a:lstStyle/>
+          <a:p>
+            <a:endParaRPr lang="en-US"/>
+          </a:p>
+        </p:txBody>
+      </p:sp>
+      <p:sp>
+        <p:nvSpPr>
+          <p:cNvPr id="5" name="Notes Placeholder 4"/>
+          <p:cNvSpPr>
+            <a:spLocks noGrp="1"/>
+          </p:cNvSpPr>
+          <p:nvPr>
+            <p:ph type="body" sz="quarter" idx="3"/>
+          </p:nvPr>
+        </p:nvSpPr>
+        <p:spPr>
+          <a:xfrm>
+            <a:off x="710375" y="4925254"/>
+            <a:ext cx="5682996" cy="4029754"/>
+          </a:xfrm>
+          <a:prstGeom prst="rect">
+            <a:avLst/>
+          </a:prstGeom>
+        </p:spPr>
+        <p:txBody>
+          <a:bodyPr vert="horz" lIns="91440" tIns="45720" rIns="91440" bIns="45720" rtlCol="0"/>
+          <a:lstStyle/>
+          <a:p>
+            <a:pPr lvl="0"/>
+            <a:r>
+              <a:rPr lang="en-US" smtClean="0"/>
+              <a:t>Click to edit Master text styles</a:t>
+            </a:r>
+            <a:endParaRPr lang="en-US" smtClean="0"/>
+          </a:p>
+          <a:p>
+            <a:pPr lvl="1"/>
+            <a:r>
+              <a:rPr lang="en-US" smtClean="0"/>
+              <a:t>Second level</a:t>
+            </a:r>
+            <a:endParaRPr lang="en-US" smtClean="0"/>
+          </a:p>
+          <a:p>
+            <a:pPr lvl="2"/>
+            <a:r>
+              <a:rPr lang="en-US" smtClean="0"/>
+              <a:t>Third level</a:t>
+            </a:r>
+            <a:endParaRPr lang="en-US" smtClean="0"/>
+          </a:p>
+          <a:p>
+            <a:pPr lvl="3"/>
+            <a:r>
+              <a:rPr lang="en-US" smtClean="0"/>
+              <a:t>Fourth level</a:t>
+            </a:r>
+            <a:endParaRPr lang="en-US" smtClean="0"/>
+          </a:p>
+          <a:p>
+            <a:pPr lvl="4"/>
+            <a:r>
+              <a:rPr lang="en-US" smtClean="0"/>
+              <a:t>Fifth level</a:t>
+            </a:r>
+            <a:endParaRPr lang="en-US"/>
+          </a:p>
+        </p:txBody>
+      </p:sp>
+      <p:sp>
+        <p:nvSpPr>
+          <p:cNvPr id="6" name="Footer Placeholder 5"/>
+          <p:cNvSpPr>
+            <a:spLocks noGrp="1"/>
+          </p:cNvSpPr>
+          <p:nvPr>
+            <p:ph type="ftr" sz="quarter" idx="4"/>
+          </p:nvPr>
+        </p:nvSpPr>
+        <p:spPr>
+          <a:xfrm>
+            <a:off x="0" y="9720804"/>
+            <a:ext cx="3078290" cy="513491"/>
+          </a:xfrm>
+          <a:prstGeom prst="rect">
+            <a:avLst/>
+          </a:prstGeom>
+        </p:spPr>
+        <p:txBody>
+          <a:bodyPr vert="horz" lIns="91440" tIns="45720" rIns="91440" bIns="45720" rtlCol="0" anchor="b"/>
+          <a:lstStyle>
+            <a:lvl1pPr algn="l">
+              <a:defRPr sz="1200"/>
+            </a:lvl1pPr>
+          </a:lstStyle>
+          <a:p>
+            <a:endParaRPr lang="en-US"/>
+          </a:p>
+        </p:txBody>
+      </p:sp>
+      <p:sp>
+        <p:nvSpPr>
+          <p:cNvPr id="7" name="Slide Number Placeholder 6"/>
+          <p:cNvSpPr>
+            <a:spLocks noGrp="1"/>
+          </p:cNvSpPr>
+          <p:nvPr>
+            <p:ph type="sldNum" sz="quarter" idx="5"/>
+          </p:nvPr>
+        </p:nvSpPr>
+        <p:spPr>
+          <a:xfrm>
+            <a:off x="4023812" y="9720804"/>
+            <a:ext cx="3078290" cy="513491"/>
+          </a:xfrm>
+          <a:prstGeom prst="rect">
+            <a:avLst/>
+          </a:prstGeom>
+        </p:spPr>
+        <p:txBody>
+          <a:bodyPr vert="horz" lIns="91440" tIns="45720" rIns="91440" bIns="45720" rtlCol="0" anchor="b"/>
+          <a:lstStyle>
+            <a:lvl1pPr algn="r">
+              <a:defRPr sz="1200"/>
+            </a:lvl1pPr>
+          </a:lstStyle>
+          <a:p>
+            <a:fld id="{21B2AA4F-B828-4D7C-AFD3-893933DAFCB4}" type="slidenum">
+              <a:rPr lang="en-US" smtClean="0"/>
+            </a:fld>
+            <a:endParaRPr lang="en-US"/>
+          </a:p>
+        </p:txBody>
+      </p:sp>
+    </p:spTree>
+  </p:cSld>
+  <p:clrMap bg1="lt1" tx1="dk1" bg2="lt2" tx2="dk2" accent1="accent1" accent2="accent2" accent3="accent3" accent4="accent4" accent5="accent5" accent6="accent6" hlink="hlink" folHlink="folHlink"/>
+  <p:notesStyle>
+    <a:lvl1pPr marL="0" algn="l" defTabSz="914400" rtl="0" eaLnBrk="1" latinLnBrk="0" hangingPunct="1">
+      <a:defRPr sz="1200" kern="1200">
+        <a:solidFill>
+          <a:schemeClr val="tx1"/>
+        </a:solidFill>
+        <a:latin typeface="+mn-lt"/>
+        <a:ea typeface="+mn-ea"/>
+        <a:cs typeface="+mn-cs"/>
+      </a:defRPr>
+    </a:lvl1pPr>
+    <a:lvl2pPr marL="457200" algn="l" defTabSz="914400" rtl="0" eaLnBrk="1" latinLnBrk="0" hangingPunct="1">
+      <a:defRPr sz="1200" kern="1200">
+        <a:solidFill>
+          <a:schemeClr val="tx1"/>
+        </a:solidFill>
+        <a:latin typeface="+mn-lt"/>
+        <a:ea typeface="+mn-ea"/>
+        <a:cs typeface="+mn-cs"/>
+      </a:defRPr>
+    </a:lvl2pPr>
+    <a:lvl3pPr marL="914400" algn="l" defTabSz="914400" rtl="0" eaLnBrk="1" latinLnBrk="0" hangingPunct="1">
+      <a:defRPr sz="1200" kern="1200">
+        <a:solidFill>
+          <a:schemeClr val="tx1"/>
+        </a:solidFill>
+        <a:latin typeface="+mn-lt"/>
+        <a:ea typeface="+mn-ea"/>
+        <a:cs typeface="+mn-cs"/>
+      </a:defRPr>
+    </a:lvl3pPr>
+    <a:lvl4pPr marL="1371600" algn="l" defTabSz="914400" rtl="0" eaLnBrk="1" latinLnBrk="0" hangingPunct="1">
+      <a:defRPr sz="1200" kern="1200">
+        <a:solidFill>
+          <a:schemeClr val="tx1"/>
+        </a:solidFill>
+        <a:latin typeface="+mn-lt"/>
+        <a:ea typeface="+mn-ea"/>
+        <a:cs typeface="+mn-cs"/>
+      </a:defRPr>
+    </a:lvl4pPr>
+    <a:lvl5pPr marL="1828800" algn="l" defTabSz="914400" rtl="0" eaLnBrk="1" latinLnBrk="0" hangingPunct="1">
+      <a:defRPr sz="1200" kern="1200">
+        <a:solidFill>
+          <a:schemeClr val="tx1"/>
+        </a:solidFill>
+        <a:latin typeface="+mn-lt"/>
+        <a:ea typeface="+mn-ea"/>
+        <a:cs typeface="+mn-cs"/>
+      </a:defRPr>
+    </a:lvl5pPr>
+    <a:lvl6pPr marL="2286000" algn="l" defTabSz="914400" rtl="0" eaLnBrk="1" latinLnBrk="0" hangingPunct="1">
+      <a:defRPr sz="1200" kern="1200">
+        <a:solidFill>
+          <a:schemeClr val="tx1"/>
+        </a:solidFill>
+        <a:latin typeface="+mn-lt"/>
+        <a:ea typeface="+mn-ea"/>
+        <a:cs typeface="+mn-cs"/>
+      </a:defRPr>
+    </a:lvl6pPr>
+    <a:lvl7pPr marL="2743200" algn="l" defTabSz="914400" rtl="0" eaLnBrk="1" latinLnBrk="0" hangingPunct="1">
+      <a:defRPr sz="1200" kern="1200">
+        <a:solidFill>
+          <a:schemeClr val="tx1"/>
+        </a:solidFill>
+        <a:latin typeface="+mn-lt"/>
+        <a:ea typeface="+mn-ea"/>
+        <a:cs typeface="+mn-cs"/>
+      </a:defRPr>
+    </a:lvl7pPr>
+    <a:lvl8pPr marL="3200400" algn="l" defTabSz="914400" rtl="0" eaLnBrk="1" latinLnBrk="0" hangingPunct="1">
+      <a:defRPr sz="1200" kern="1200">
+        <a:solidFill>
+          <a:schemeClr val="tx1"/>
+        </a:solidFill>
+        <a:latin typeface="+mn-lt"/>
+        <a:ea typeface="+mn-ea"/>
+        <a:cs typeface="+mn-cs"/>
+      </a:defRPr>
+    </a:lvl8pPr>
+    <a:lvl9pPr marL="3657600" algn="l" defTabSz="914400" rtl="0" eaLnBrk="1" latinLnBrk="0" hangingPunct="1">
+      <a:defRPr sz="1200" kern="1200">
+        <a:solidFill>
+          <a:schemeClr val="tx1"/>
+        </a:solidFill>
+        <a:latin typeface="+mn-lt"/>
+        <a:ea typeface="+mn-ea"/>
+        <a:cs typeface="+mn-cs"/>
+      </a:defRPr>
+    </a:lvl9pPr>
+  </p:notesStyle>
+</p:notesMaster>
+</file>
+
+<file path=ppt/notesSlides/notesSlide1.xml><?xml version="1.0" encoding="utf-8"?>
+<p:notes xmlns:a="http://schemas.openxmlformats.org/drawingml/2006/main" xmlns:r="http://schemas.openxmlformats.org/officeDocument/2006/relationships" xmlns:p="http://schemas.openxmlformats.org/presentationml/2006/main">
+  <p:cSld>
+    <p:spTree>
+      <p:nvGrpSpPr>
+        <p:cNvPr id="1" name=""/>
+        <p:cNvGrpSpPr/>
+        <p:nvPr/>
+      </p:nvGrpSpPr>
+      <p:grpSpPr/>
+      <p:sp>
+        <p:nvSpPr>
+          <p:cNvPr id="2" name="Slide Image Placeholder 1"/>
+          <p:cNvSpPr/>
+          <p:nvPr>
+            <p:ph type="sldImg" idx="2"/>
+          </p:nvPr>
+        </p:nvSpPr>
+        <p:spPr/>
+      </p:sp>
+      <p:sp>
+        <p:nvSpPr>
+          <p:cNvPr id="3" name="Text Placeholder 2"/>
+          <p:cNvSpPr/>
+          <p:nvPr>
+            <p:ph type="body" idx="3"/>
+          </p:nvPr>
+        </p:nvSpPr>
+        <p:spPr/>
+        <p:txBody>
+          <a:bodyPr/>
+          <a:p>
+            <a:endParaRPr lang="en-US"/>
+          </a:p>
+        </p:txBody>
+      </p:sp>
+    </p:spTree>
+  </p:cSld>
+  <p:clrMapOvr>
+    <a:masterClrMapping/>
+  </p:clrMapOvr>
+</p:notes>
+</file>
+
 <file path=ppt/slideLayouts/slideLayout1.xml><?xml version="1.0" encoding="utf-8"?>
 <p:sldLayout xmlns:a="http://schemas.openxmlformats.org/drawingml/2006/main" xmlns:r="http://schemas.openxmlformats.org/officeDocument/2006/relationships" xmlns:p="http://schemas.openxmlformats.org/presentationml/2006/main" type="title" preserve="1">
   <p:cSld name="Title Slide">
@@ -2753,16 +3148,6 @@
           <a:p>
             <a:pPr algn="ctr"/>
             <a:r>
-              <a:rPr lang="" altLang="en-US" sz="4400" b="1">
-                <a:solidFill>
-                  <a:schemeClr val="bg1"/>
-                </a:solidFill>
-                <a:latin typeface="Gubbi" panose="00000400000000000000" charset="0"/>
-                <a:cs typeface="Gubbi" panose="00000400000000000000" charset="0"/>
-              </a:rPr>
-              <a:t>s</a:t>
-            </a:r>
-            <a:r>
               <a:rPr lang="en-US" altLang="en-US" sz="4400" b="1">
                 <a:solidFill>
                   <a:schemeClr val="bg1"/>
@@ -2770,19 +3155,9 @@
                 <a:latin typeface="Gubbi" panose="00000400000000000000" charset="0"/>
                 <a:cs typeface="Gubbi" panose="00000400000000000000" charset="0"/>
               </a:rPr>
-              <a:t>craping </a:t>
-            </a:r>
-            <a:r>
-              <a:rPr lang="" altLang="en-US" sz="4400" b="1">
-                <a:solidFill>
-                  <a:schemeClr val="bg1"/>
-                </a:solidFill>
-                <a:latin typeface="Gubbi" panose="00000400000000000000" charset="0"/>
-                <a:cs typeface="Gubbi" panose="00000400000000000000" charset="0"/>
-              </a:rPr>
-              <a:t>| etl | eda | ml | deploy</a:t>
-            </a:r>
-            <a:endParaRPr lang="" altLang="en-US" sz="4400" b="1">
+              <a:t>scraping | etl | eda | ml | deploy</a:t>
+            </a:r>
+            <a:endParaRPr lang="en-US" altLang="en-US" sz="4400" b="1">
               <a:solidFill>
                 <a:schemeClr val="bg1"/>
               </a:solidFill>
@@ -3285,7 +3660,7 @@
         </p:blipFill>
         <p:spPr>
           <a:xfrm>
-            <a:off x="1284605" y="118110"/>
+            <a:off x="1234440" y="118110"/>
             <a:ext cx="9723755" cy="6622415"/>
           </a:xfrm>
           <a:prstGeom prst="rect">
@@ -3293,6 +3668,1593 @@
           </a:prstGeom>
         </p:spPr>
       </p:pic>
+    </p:spTree>
+  </p:cSld>
+  <p:clrMapOvr>
+    <a:masterClrMapping/>
+  </p:clrMapOvr>
+</p:sld>
+</file>
+
+<file path=ppt/slides/slide4.xml><?xml version="1.0" encoding="utf-8"?>
+<p:sld xmlns:a="http://schemas.openxmlformats.org/drawingml/2006/main" xmlns:r="http://schemas.openxmlformats.org/officeDocument/2006/relationships" xmlns:p="http://schemas.openxmlformats.org/presentationml/2006/main">
+  <p:cSld>
+    <p:spTree>
+      <p:nvGrpSpPr>
+        <p:cNvPr id="1" name=""/>
+        <p:cNvGrpSpPr/>
+        <p:nvPr/>
+      </p:nvGrpSpPr>
+      <p:grpSpPr/>
+      <p:pic>
+        <p:nvPicPr>
+          <p:cNvPr id="4" name="Picture 3" descr="Screenshot from 2020-07-06 10-59-09"/>
+          <p:cNvPicPr>
+            <a:picLocks noChangeAspect="1"/>
+          </p:cNvPicPr>
+          <p:nvPr/>
+        </p:nvPicPr>
+        <p:blipFill>
+          <a:blip r:embed="rId1"/>
+          <a:srcRect r="43931"/>
+          <a:stretch>
+            <a:fillRect/>
+          </a:stretch>
+        </p:blipFill>
+        <p:spPr>
+          <a:xfrm>
+            <a:off x="1007110" y="158115"/>
+            <a:ext cx="8627745" cy="3134995"/>
+          </a:xfrm>
+          <a:prstGeom prst="rect">
+            <a:avLst/>
+          </a:prstGeom>
+        </p:spPr>
+      </p:pic>
+      <p:pic>
+        <p:nvPicPr>
+          <p:cNvPr id="5" name="Picture 4" descr="Screenshot from 2020-07-06 10-59-09"/>
+          <p:cNvPicPr>
+            <a:picLocks noChangeAspect="1"/>
+          </p:cNvPicPr>
+          <p:nvPr/>
+        </p:nvPicPr>
+        <p:blipFill>
+          <a:blip r:embed="rId1"/>
+          <a:srcRect l="55434"/>
+          <a:stretch>
+            <a:fillRect/>
+          </a:stretch>
+        </p:blipFill>
+        <p:spPr>
+          <a:xfrm>
+            <a:off x="2331085" y="3446780"/>
+            <a:ext cx="7089775" cy="3241040"/>
+          </a:xfrm>
+          <a:prstGeom prst="rect">
+            <a:avLst/>
+          </a:prstGeom>
+        </p:spPr>
+      </p:pic>
+      <p:cxnSp>
+        <p:nvCxnSpPr>
+          <p:cNvPr id="6" name="Straight Connector 5"/>
+          <p:cNvCxnSpPr/>
+          <p:nvPr/>
+        </p:nvCxnSpPr>
+        <p:spPr>
+          <a:xfrm>
+            <a:off x="4468495" y="1362075"/>
+            <a:ext cx="128905" cy="0"/>
+          </a:xfrm>
+          <a:prstGeom prst="line">
+            <a:avLst/>
+          </a:prstGeom>
+          <a:ln w="28575">
+            <a:solidFill>
+              <a:srgbClr val="C00000"/>
+            </a:solidFill>
+          </a:ln>
+        </p:spPr>
+        <p:style>
+          <a:lnRef idx="3">
+            <a:schemeClr val="accent2"/>
+          </a:lnRef>
+          <a:fillRef idx="0">
+            <a:schemeClr val="accent2"/>
+          </a:fillRef>
+          <a:effectRef idx="2">
+            <a:schemeClr val="accent2"/>
+          </a:effectRef>
+          <a:fontRef idx="minor">
+            <a:schemeClr val="tx1"/>
+          </a:fontRef>
+        </p:style>
+      </p:cxnSp>
+      <p:cxnSp>
+        <p:nvCxnSpPr>
+          <p:cNvPr id="7" name="Straight Connector 6"/>
+          <p:cNvCxnSpPr/>
+          <p:nvPr/>
+        </p:nvCxnSpPr>
+        <p:spPr>
+          <a:xfrm>
+            <a:off x="5328920" y="1660525"/>
+            <a:ext cx="182880" cy="0"/>
+          </a:xfrm>
+          <a:prstGeom prst="line">
+            <a:avLst/>
+          </a:prstGeom>
+          <a:ln w="28575">
+            <a:solidFill>
+              <a:srgbClr val="C00000"/>
+            </a:solidFill>
+          </a:ln>
+        </p:spPr>
+        <p:style>
+          <a:lnRef idx="3">
+            <a:schemeClr val="accent2"/>
+          </a:lnRef>
+          <a:fillRef idx="0">
+            <a:schemeClr val="accent2"/>
+          </a:fillRef>
+          <a:effectRef idx="2">
+            <a:schemeClr val="accent2"/>
+          </a:effectRef>
+          <a:fontRef idx="minor">
+            <a:schemeClr val="tx1"/>
+          </a:fontRef>
+        </p:style>
+      </p:cxnSp>
+      <p:cxnSp>
+        <p:nvCxnSpPr>
+          <p:cNvPr id="8" name="Straight Connector 7"/>
+          <p:cNvCxnSpPr/>
+          <p:nvPr/>
+        </p:nvCxnSpPr>
+        <p:spPr>
+          <a:xfrm>
+            <a:off x="2810510" y="4695825"/>
+            <a:ext cx="182880" cy="0"/>
+          </a:xfrm>
+          <a:prstGeom prst="line">
+            <a:avLst/>
+          </a:prstGeom>
+          <a:ln w="28575">
+            <a:solidFill>
+              <a:srgbClr val="C00000"/>
+            </a:solidFill>
+          </a:ln>
+        </p:spPr>
+        <p:style>
+          <a:lnRef idx="3">
+            <a:schemeClr val="accent2"/>
+          </a:lnRef>
+          <a:fillRef idx="0">
+            <a:schemeClr val="accent2"/>
+          </a:fillRef>
+          <a:effectRef idx="2">
+            <a:schemeClr val="accent2"/>
+          </a:effectRef>
+          <a:fontRef idx="minor">
+            <a:schemeClr val="tx1"/>
+          </a:fontRef>
+        </p:style>
+      </p:cxnSp>
+      <p:cxnSp>
+        <p:nvCxnSpPr>
+          <p:cNvPr id="9" name="Straight Connector 8"/>
+          <p:cNvCxnSpPr/>
+          <p:nvPr/>
+        </p:nvCxnSpPr>
+        <p:spPr>
+          <a:xfrm>
+            <a:off x="4043045" y="4994275"/>
+            <a:ext cx="182880" cy="0"/>
+          </a:xfrm>
+          <a:prstGeom prst="line">
+            <a:avLst/>
+          </a:prstGeom>
+          <a:ln w="28575">
+            <a:solidFill>
+              <a:srgbClr val="C00000"/>
+            </a:solidFill>
+          </a:ln>
+        </p:spPr>
+        <p:style>
+          <a:lnRef idx="3">
+            <a:schemeClr val="accent2"/>
+          </a:lnRef>
+          <a:fillRef idx="0">
+            <a:schemeClr val="accent2"/>
+          </a:fillRef>
+          <a:effectRef idx="2">
+            <a:schemeClr val="accent2"/>
+          </a:effectRef>
+          <a:fontRef idx="minor">
+            <a:schemeClr val="tx1"/>
+          </a:fontRef>
+        </p:style>
+      </p:cxnSp>
+      <p:cxnSp>
+        <p:nvCxnSpPr>
+          <p:cNvPr id="10" name="Straight Connector 9"/>
+          <p:cNvCxnSpPr/>
+          <p:nvPr/>
+        </p:nvCxnSpPr>
+        <p:spPr>
+          <a:xfrm>
+            <a:off x="4522470" y="4686300"/>
+            <a:ext cx="182880" cy="0"/>
+          </a:xfrm>
+          <a:prstGeom prst="line">
+            <a:avLst/>
+          </a:prstGeom>
+          <a:ln w="28575">
+            <a:solidFill>
+              <a:srgbClr val="C00000"/>
+            </a:solidFill>
+          </a:ln>
+        </p:spPr>
+        <p:style>
+          <a:lnRef idx="3">
+            <a:schemeClr val="accent2"/>
+          </a:lnRef>
+          <a:fillRef idx="0">
+            <a:schemeClr val="accent2"/>
+          </a:fillRef>
+          <a:effectRef idx="2">
+            <a:schemeClr val="accent2"/>
+          </a:effectRef>
+          <a:fontRef idx="minor">
+            <a:schemeClr val="tx1"/>
+          </a:fontRef>
+        </p:style>
+      </p:cxnSp>
+      <p:cxnSp>
+        <p:nvCxnSpPr>
+          <p:cNvPr id="11" name="Straight Connector 10"/>
+          <p:cNvCxnSpPr/>
+          <p:nvPr/>
+        </p:nvCxnSpPr>
+        <p:spPr>
+          <a:xfrm>
+            <a:off x="4944745" y="4686300"/>
+            <a:ext cx="182880" cy="0"/>
+          </a:xfrm>
+          <a:prstGeom prst="line">
+            <a:avLst/>
+          </a:prstGeom>
+          <a:ln w="28575">
+            <a:solidFill>
+              <a:srgbClr val="C00000"/>
+            </a:solidFill>
+          </a:ln>
+        </p:spPr>
+        <p:style>
+          <a:lnRef idx="3">
+            <a:schemeClr val="accent2"/>
+          </a:lnRef>
+          <a:fillRef idx="0">
+            <a:schemeClr val="accent2"/>
+          </a:fillRef>
+          <a:effectRef idx="2">
+            <a:schemeClr val="accent2"/>
+          </a:effectRef>
+          <a:fontRef idx="minor">
+            <a:schemeClr val="tx1"/>
+          </a:fontRef>
+        </p:style>
+      </p:cxnSp>
+      <p:cxnSp>
+        <p:nvCxnSpPr>
+          <p:cNvPr id="12" name="Straight Connector 11"/>
+          <p:cNvCxnSpPr/>
+          <p:nvPr/>
+        </p:nvCxnSpPr>
+        <p:spPr>
+          <a:xfrm>
+            <a:off x="4522470" y="4832350"/>
+            <a:ext cx="519430" cy="0"/>
+          </a:xfrm>
+          <a:prstGeom prst="line">
+            <a:avLst/>
+          </a:prstGeom>
+          <a:ln w="28575">
+            <a:solidFill>
+              <a:srgbClr val="C00000"/>
+            </a:solidFill>
+          </a:ln>
+        </p:spPr>
+        <p:style>
+          <a:lnRef idx="3">
+            <a:schemeClr val="accent2"/>
+          </a:lnRef>
+          <a:fillRef idx="0">
+            <a:schemeClr val="accent2"/>
+          </a:fillRef>
+          <a:effectRef idx="2">
+            <a:schemeClr val="accent2"/>
+          </a:effectRef>
+          <a:fontRef idx="minor">
+            <a:schemeClr val="tx1"/>
+          </a:fontRef>
+        </p:style>
+      </p:cxnSp>
+      <p:cxnSp>
+        <p:nvCxnSpPr>
+          <p:cNvPr id="13" name="Straight Connector 12"/>
+          <p:cNvCxnSpPr/>
+          <p:nvPr/>
+        </p:nvCxnSpPr>
+        <p:spPr>
+          <a:xfrm>
+            <a:off x="4670425" y="4986655"/>
+            <a:ext cx="431800" cy="1270"/>
+          </a:xfrm>
+          <a:prstGeom prst="line">
+            <a:avLst/>
+          </a:prstGeom>
+          <a:ln w="28575">
+            <a:solidFill>
+              <a:srgbClr val="C00000"/>
+            </a:solidFill>
+          </a:ln>
+        </p:spPr>
+        <p:style>
+          <a:lnRef idx="3">
+            <a:schemeClr val="accent2"/>
+          </a:lnRef>
+          <a:fillRef idx="0">
+            <a:schemeClr val="accent2"/>
+          </a:fillRef>
+          <a:effectRef idx="2">
+            <a:schemeClr val="accent2"/>
+          </a:effectRef>
+          <a:fontRef idx="minor">
+            <a:schemeClr val="tx1"/>
+          </a:fontRef>
+        </p:style>
+      </p:cxnSp>
+      <p:cxnSp>
+        <p:nvCxnSpPr>
+          <p:cNvPr id="15" name="Straight Connector 14"/>
+          <p:cNvCxnSpPr/>
+          <p:nvPr/>
+        </p:nvCxnSpPr>
+        <p:spPr>
+          <a:xfrm>
+            <a:off x="2994660" y="4689475"/>
+            <a:ext cx="1228090" cy="0"/>
+          </a:xfrm>
+          <a:prstGeom prst="line">
+            <a:avLst/>
+          </a:prstGeom>
+          <a:ln w="28575">
+            <a:solidFill>
+              <a:srgbClr val="00B0F0"/>
+            </a:solidFill>
+          </a:ln>
+        </p:spPr>
+        <p:style>
+          <a:lnRef idx="3">
+            <a:schemeClr val="accent2"/>
+          </a:lnRef>
+          <a:fillRef idx="0">
+            <a:schemeClr val="accent2"/>
+          </a:fillRef>
+          <a:effectRef idx="2">
+            <a:schemeClr val="accent2"/>
+          </a:effectRef>
+          <a:fontRef idx="minor">
+            <a:schemeClr val="tx1"/>
+          </a:fontRef>
+        </p:style>
+      </p:cxnSp>
+      <p:cxnSp>
+        <p:nvCxnSpPr>
+          <p:cNvPr id="16" name="Straight Connector 15"/>
+          <p:cNvCxnSpPr/>
+          <p:nvPr/>
+        </p:nvCxnSpPr>
+        <p:spPr>
+          <a:xfrm>
+            <a:off x="2854960" y="4832350"/>
+            <a:ext cx="1358265" cy="0"/>
+          </a:xfrm>
+          <a:prstGeom prst="line">
+            <a:avLst/>
+          </a:prstGeom>
+          <a:ln w="28575">
+            <a:solidFill>
+              <a:srgbClr val="00B0F0"/>
+            </a:solidFill>
+          </a:ln>
+        </p:spPr>
+        <p:style>
+          <a:lnRef idx="3">
+            <a:schemeClr val="accent2"/>
+          </a:lnRef>
+          <a:fillRef idx="0">
+            <a:schemeClr val="accent2"/>
+          </a:fillRef>
+          <a:effectRef idx="2">
+            <a:schemeClr val="accent2"/>
+          </a:effectRef>
+          <a:fontRef idx="minor">
+            <a:schemeClr val="tx1"/>
+          </a:fontRef>
+        </p:style>
+      </p:cxnSp>
+      <p:cxnSp>
+        <p:nvCxnSpPr>
+          <p:cNvPr id="17" name="Straight Connector 16"/>
+          <p:cNvCxnSpPr/>
+          <p:nvPr/>
+        </p:nvCxnSpPr>
+        <p:spPr>
+          <a:xfrm>
+            <a:off x="3003550" y="4994275"/>
+            <a:ext cx="1058545" cy="0"/>
+          </a:xfrm>
+          <a:prstGeom prst="line">
+            <a:avLst/>
+          </a:prstGeom>
+          <a:ln w="28575">
+            <a:solidFill>
+              <a:srgbClr val="00B0F0"/>
+            </a:solidFill>
+          </a:ln>
+        </p:spPr>
+        <p:style>
+          <a:lnRef idx="3">
+            <a:schemeClr val="accent2"/>
+          </a:lnRef>
+          <a:fillRef idx="0">
+            <a:schemeClr val="accent2"/>
+          </a:fillRef>
+          <a:effectRef idx="2">
+            <a:schemeClr val="accent2"/>
+          </a:effectRef>
+          <a:fontRef idx="minor">
+            <a:schemeClr val="tx1"/>
+          </a:fontRef>
+        </p:style>
+      </p:cxnSp>
+      <p:cxnSp>
+        <p:nvCxnSpPr>
+          <p:cNvPr id="18" name="Straight Connector 17"/>
+          <p:cNvCxnSpPr/>
+          <p:nvPr/>
+        </p:nvCxnSpPr>
+        <p:spPr>
+          <a:xfrm>
+            <a:off x="4705350" y="4686300"/>
+            <a:ext cx="241300" cy="0"/>
+          </a:xfrm>
+          <a:prstGeom prst="line">
+            <a:avLst/>
+          </a:prstGeom>
+          <a:ln w="28575">
+            <a:solidFill>
+              <a:srgbClr val="00B0F0"/>
+            </a:solidFill>
+          </a:ln>
+        </p:spPr>
+        <p:style>
+          <a:lnRef idx="3">
+            <a:schemeClr val="accent2"/>
+          </a:lnRef>
+          <a:fillRef idx="0">
+            <a:schemeClr val="accent2"/>
+          </a:fillRef>
+          <a:effectRef idx="2">
+            <a:schemeClr val="accent2"/>
+          </a:effectRef>
+          <a:fontRef idx="minor">
+            <a:schemeClr val="tx1"/>
+          </a:fontRef>
+        </p:style>
+      </p:cxnSp>
+      <p:cxnSp>
+        <p:nvCxnSpPr>
+          <p:cNvPr id="19" name="Straight Connector 18"/>
+          <p:cNvCxnSpPr/>
+          <p:nvPr/>
+        </p:nvCxnSpPr>
+        <p:spPr>
+          <a:xfrm>
+            <a:off x="5603875" y="4603750"/>
+            <a:ext cx="121920" cy="0"/>
+          </a:xfrm>
+          <a:prstGeom prst="line">
+            <a:avLst/>
+          </a:prstGeom>
+          <a:ln w="28575">
+            <a:solidFill>
+              <a:srgbClr val="00B0F0"/>
+            </a:solidFill>
+          </a:ln>
+        </p:spPr>
+        <p:style>
+          <a:lnRef idx="3">
+            <a:schemeClr val="accent2"/>
+          </a:lnRef>
+          <a:fillRef idx="0">
+            <a:schemeClr val="accent2"/>
+          </a:fillRef>
+          <a:effectRef idx="2">
+            <a:schemeClr val="accent2"/>
+          </a:effectRef>
+          <a:fontRef idx="minor">
+            <a:schemeClr val="tx1"/>
+          </a:fontRef>
+        </p:style>
+      </p:cxnSp>
+      <p:cxnSp>
+        <p:nvCxnSpPr>
+          <p:cNvPr id="20" name="Straight Connector 19"/>
+          <p:cNvCxnSpPr/>
+          <p:nvPr/>
+        </p:nvCxnSpPr>
+        <p:spPr>
+          <a:xfrm>
+            <a:off x="5411470" y="4603750"/>
+            <a:ext cx="182880" cy="0"/>
+          </a:xfrm>
+          <a:prstGeom prst="line">
+            <a:avLst/>
+          </a:prstGeom>
+          <a:ln w="28575">
+            <a:solidFill>
+              <a:srgbClr val="C00000"/>
+            </a:solidFill>
+          </a:ln>
+        </p:spPr>
+        <p:style>
+          <a:lnRef idx="3">
+            <a:schemeClr val="accent2"/>
+          </a:lnRef>
+          <a:fillRef idx="0">
+            <a:schemeClr val="accent2"/>
+          </a:fillRef>
+          <a:effectRef idx="2">
+            <a:schemeClr val="accent2"/>
+          </a:effectRef>
+          <a:fontRef idx="minor">
+            <a:schemeClr val="tx1"/>
+          </a:fontRef>
+        </p:style>
+      </p:cxnSp>
+      <p:cxnSp>
+        <p:nvCxnSpPr>
+          <p:cNvPr id="21" name="Straight Connector 20"/>
+          <p:cNvCxnSpPr/>
+          <p:nvPr/>
+        </p:nvCxnSpPr>
+        <p:spPr>
+          <a:xfrm>
+            <a:off x="5626100" y="4759325"/>
+            <a:ext cx="182880" cy="0"/>
+          </a:xfrm>
+          <a:prstGeom prst="line">
+            <a:avLst/>
+          </a:prstGeom>
+          <a:ln w="28575">
+            <a:solidFill>
+              <a:srgbClr val="C00000"/>
+            </a:solidFill>
+          </a:ln>
+        </p:spPr>
+        <p:style>
+          <a:lnRef idx="3">
+            <a:schemeClr val="accent2"/>
+          </a:lnRef>
+          <a:fillRef idx="0">
+            <a:schemeClr val="accent2"/>
+          </a:fillRef>
+          <a:effectRef idx="2">
+            <a:schemeClr val="accent2"/>
+          </a:effectRef>
+          <a:fontRef idx="minor">
+            <a:schemeClr val="tx1"/>
+          </a:fontRef>
+        </p:style>
+      </p:cxnSp>
+      <p:cxnSp>
+        <p:nvCxnSpPr>
+          <p:cNvPr id="22" name="Straight Connector 21"/>
+          <p:cNvCxnSpPr/>
+          <p:nvPr/>
+        </p:nvCxnSpPr>
+        <p:spPr>
+          <a:xfrm>
+            <a:off x="5241925" y="4914900"/>
+            <a:ext cx="581025" cy="0"/>
+          </a:xfrm>
+          <a:prstGeom prst="line">
+            <a:avLst/>
+          </a:prstGeom>
+          <a:ln w="28575">
+            <a:solidFill>
+              <a:srgbClr val="C00000"/>
+            </a:solidFill>
+          </a:ln>
+        </p:spPr>
+        <p:style>
+          <a:lnRef idx="3">
+            <a:schemeClr val="accent2"/>
+          </a:lnRef>
+          <a:fillRef idx="0">
+            <a:schemeClr val="accent2"/>
+          </a:fillRef>
+          <a:effectRef idx="2">
+            <a:schemeClr val="accent2"/>
+          </a:effectRef>
+          <a:fontRef idx="minor">
+            <a:schemeClr val="tx1"/>
+          </a:fontRef>
+        </p:style>
+      </p:cxnSp>
+      <p:cxnSp>
+        <p:nvCxnSpPr>
+          <p:cNvPr id="23" name="Straight Connector 22"/>
+          <p:cNvCxnSpPr/>
+          <p:nvPr/>
+        </p:nvCxnSpPr>
+        <p:spPr>
+          <a:xfrm>
+            <a:off x="5725795" y="4603750"/>
+            <a:ext cx="100330" cy="0"/>
+          </a:xfrm>
+          <a:prstGeom prst="line">
+            <a:avLst/>
+          </a:prstGeom>
+          <a:ln w="28575">
+            <a:solidFill>
+              <a:srgbClr val="C00000"/>
+            </a:solidFill>
+          </a:ln>
+        </p:spPr>
+        <p:style>
+          <a:lnRef idx="3">
+            <a:schemeClr val="accent2"/>
+          </a:lnRef>
+          <a:fillRef idx="0">
+            <a:schemeClr val="accent2"/>
+          </a:fillRef>
+          <a:effectRef idx="2">
+            <a:schemeClr val="accent2"/>
+          </a:effectRef>
+          <a:fontRef idx="minor">
+            <a:schemeClr val="tx1"/>
+          </a:fontRef>
+        </p:style>
+      </p:cxnSp>
+      <p:cxnSp>
+        <p:nvCxnSpPr>
+          <p:cNvPr id="24" name="Straight Connector 23"/>
+          <p:cNvCxnSpPr/>
+          <p:nvPr/>
+        </p:nvCxnSpPr>
+        <p:spPr>
+          <a:xfrm>
+            <a:off x="5724525" y="5057775"/>
+            <a:ext cx="88900" cy="0"/>
+          </a:xfrm>
+          <a:prstGeom prst="line">
+            <a:avLst/>
+          </a:prstGeom>
+          <a:ln w="28575">
+            <a:solidFill>
+              <a:srgbClr val="C00000"/>
+            </a:solidFill>
+          </a:ln>
+        </p:spPr>
+        <p:style>
+          <a:lnRef idx="3">
+            <a:schemeClr val="accent2"/>
+          </a:lnRef>
+          <a:fillRef idx="0">
+            <a:schemeClr val="accent2"/>
+          </a:fillRef>
+          <a:effectRef idx="2">
+            <a:schemeClr val="accent2"/>
+          </a:effectRef>
+          <a:fontRef idx="minor">
+            <a:schemeClr val="tx1"/>
+          </a:fontRef>
+        </p:style>
+      </p:cxnSp>
+      <p:cxnSp>
+        <p:nvCxnSpPr>
+          <p:cNvPr id="25" name="Straight Connector 24"/>
+          <p:cNvCxnSpPr/>
+          <p:nvPr/>
+        </p:nvCxnSpPr>
+        <p:spPr>
+          <a:xfrm>
+            <a:off x="5970270" y="4986655"/>
+            <a:ext cx="581025" cy="0"/>
+          </a:xfrm>
+          <a:prstGeom prst="line">
+            <a:avLst/>
+          </a:prstGeom>
+          <a:ln w="28575">
+            <a:solidFill>
+              <a:srgbClr val="C00000"/>
+            </a:solidFill>
+          </a:ln>
+        </p:spPr>
+        <p:style>
+          <a:lnRef idx="3">
+            <a:schemeClr val="accent2"/>
+          </a:lnRef>
+          <a:fillRef idx="0">
+            <a:schemeClr val="accent2"/>
+          </a:fillRef>
+          <a:effectRef idx="2">
+            <a:schemeClr val="accent2"/>
+          </a:effectRef>
+          <a:fontRef idx="minor">
+            <a:schemeClr val="tx1"/>
+          </a:fontRef>
+        </p:style>
+      </p:cxnSp>
+      <p:cxnSp>
+        <p:nvCxnSpPr>
+          <p:cNvPr id="26" name="Straight Connector 25"/>
+          <p:cNvCxnSpPr/>
+          <p:nvPr/>
+        </p:nvCxnSpPr>
+        <p:spPr>
+          <a:xfrm>
+            <a:off x="6358890" y="4832350"/>
+            <a:ext cx="182880" cy="0"/>
+          </a:xfrm>
+          <a:prstGeom prst="line">
+            <a:avLst/>
+          </a:prstGeom>
+          <a:ln w="28575">
+            <a:solidFill>
+              <a:srgbClr val="C00000"/>
+            </a:solidFill>
+          </a:ln>
+        </p:spPr>
+        <p:style>
+          <a:lnRef idx="3">
+            <a:schemeClr val="accent2"/>
+          </a:lnRef>
+          <a:fillRef idx="0">
+            <a:schemeClr val="accent2"/>
+          </a:fillRef>
+          <a:effectRef idx="2">
+            <a:schemeClr val="accent2"/>
+          </a:effectRef>
+          <a:fontRef idx="minor">
+            <a:schemeClr val="tx1"/>
+          </a:fontRef>
+        </p:style>
+      </p:cxnSp>
+      <p:cxnSp>
+        <p:nvCxnSpPr>
+          <p:cNvPr id="27" name="Straight Connector 26"/>
+          <p:cNvCxnSpPr/>
+          <p:nvPr/>
+        </p:nvCxnSpPr>
+        <p:spPr>
+          <a:xfrm>
+            <a:off x="6159500" y="4679950"/>
+            <a:ext cx="182880" cy="0"/>
+          </a:xfrm>
+          <a:prstGeom prst="line">
+            <a:avLst/>
+          </a:prstGeom>
+          <a:ln w="28575">
+            <a:solidFill>
+              <a:srgbClr val="C00000"/>
+            </a:solidFill>
+          </a:ln>
+        </p:spPr>
+        <p:style>
+          <a:lnRef idx="3">
+            <a:schemeClr val="accent2"/>
+          </a:lnRef>
+          <a:fillRef idx="0">
+            <a:schemeClr val="accent2"/>
+          </a:fillRef>
+          <a:effectRef idx="2">
+            <a:schemeClr val="accent2"/>
+          </a:effectRef>
+          <a:fontRef idx="minor">
+            <a:schemeClr val="tx1"/>
+          </a:fontRef>
+        </p:style>
+      </p:cxnSp>
+      <p:cxnSp>
+        <p:nvCxnSpPr>
+          <p:cNvPr id="28" name="Straight Connector 27"/>
+          <p:cNvCxnSpPr/>
+          <p:nvPr/>
+        </p:nvCxnSpPr>
+        <p:spPr>
+          <a:xfrm>
+            <a:off x="6340475" y="4683125"/>
+            <a:ext cx="121920" cy="0"/>
+          </a:xfrm>
+          <a:prstGeom prst="line">
+            <a:avLst/>
+          </a:prstGeom>
+          <a:ln w="28575">
+            <a:solidFill>
+              <a:srgbClr val="00B0F0"/>
+            </a:solidFill>
+          </a:ln>
+        </p:spPr>
+        <p:style>
+          <a:lnRef idx="3">
+            <a:schemeClr val="accent2"/>
+          </a:lnRef>
+          <a:fillRef idx="0">
+            <a:schemeClr val="accent2"/>
+          </a:fillRef>
+          <a:effectRef idx="2">
+            <a:schemeClr val="accent2"/>
+          </a:effectRef>
+          <a:fontRef idx="minor">
+            <a:schemeClr val="tx1"/>
+          </a:fontRef>
+        </p:style>
+      </p:cxnSp>
+      <p:cxnSp>
+        <p:nvCxnSpPr>
+          <p:cNvPr id="29" name="Straight Connector 28"/>
+          <p:cNvCxnSpPr/>
+          <p:nvPr/>
+        </p:nvCxnSpPr>
+        <p:spPr>
+          <a:xfrm>
+            <a:off x="6462395" y="4683125"/>
+            <a:ext cx="100330" cy="0"/>
+          </a:xfrm>
+          <a:prstGeom prst="line">
+            <a:avLst/>
+          </a:prstGeom>
+          <a:ln w="28575">
+            <a:solidFill>
+              <a:srgbClr val="C00000"/>
+            </a:solidFill>
+          </a:ln>
+        </p:spPr>
+        <p:style>
+          <a:lnRef idx="3">
+            <a:schemeClr val="accent2"/>
+          </a:lnRef>
+          <a:fillRef idx="0">
+            <a:schemeClr val="accent2"/>
+          </a:fillRef>
+          <a:effectRef idx="2">
+            <a:schemeClr val="accent2"/>
+          </a:effectRef>
+          <a:fontRef idx="minor">
+            <a:schemeClr val="tx1"/>
+          </a:fontRef>
+        </p:style>
+      </p:cxnSp>
+      <p:cxnSp>
+        <p:nvCxnSpPr>
+          <p:cNvPr id="30" name="Straight Connector 29"/>
+          <p:cNvCxnSpPr/>
+          <p:nvPr/>
+        </p:nvCxnSpPr>
+        <p:spPr>
+          <a:xfrm>
+            <a:off x="6878320" y="4759325"/>
+            <a:ext cx="478155" cy="0"/>
+          </a:xfrm>
+          <a:prstGeom prst="line">
+            <a:avLst/>
+          </a:prstGeom>
+          <a:ln w="28575">
+            <a:solidFill>
+              <a:srgbClr val="C00000"/>
+            </a:solidFill>
+          </a:ln>
+        </p:spPr>
+        <p:style>
+          <a:lnRef idx="3">
+            <a:schemeClr val="accent2"/>
+          </a:lnRef>
+          <a:fillRef idx="0">
+            <a:schemeClr val="accent2"/>
+          </a:fillRef>
+          <a:effectRef idx="2">
+            <a:schemeClr val="accent2"/>
+          </a:effectRef>
+          <a:fontRef idx="minor">
+            <a:schemeClr val="tx1"/>
+          </a:fontRef>
+        </p:style>
+      </p:cxnSp>
+      <p:cxnSp>
+        <p:nvCxnSpPr>
+          <p:cNvPr id="31" name="Straight Connector 30"/>
+          <p:cNvCxnSpPr/>
+          <p:nvPr/>
+        </p:nvCxnSpPr>
+        <p:spPr>
+          <a:xfrm>
+            <a:off x="6686550" y="4914900"/>
+            <a:ext cx="527050" cy="0"/>
+          </a:xfrm>
+          <a:prstGeom prst="line">
+            <a:avLst/>
+          </a:prstGeom>
+          <a:ln w="28575">
+            <a:solidFill>
+              <a:srgbClr val="00B0F0"/>
+            </a:solidFill>
+          </a:ln>
+        </p:spPr>
+        <p:style>
+          <a:lnRef idx="3">
+            <a:schemeClr val="accent2"/>
+          </a:lnRef>
+          <a:fillRef idx="0">
+            <a:schemeClr val="accent2"/>
+          </a:fillRef>
+          <a:effectRef idx="2">
+            <a:schemeClr val="accent2"/>
+          </a:effectRef>
+          <a:fontRef idx="minor">
+            <a:schemeClr val="tx1"/>
+          </a:fontRef>
+        </p:style>
+      </p:cxnSp>
+      <p:cxnSp>
+        <p:nvCxnSpPr>
+          <p:cNvPr id="32" name="Straight Connector 31"/>
+          <p:cNvCxnSpPr/>
+          <p:nvPr/>
+        </p:nvCxnSpPr>
+        <p:spPr>
+          <a:xfrm>
+            <a:off x="7213600" y="4914900"/>
+            <a:ext cx="100330" cy="0"/>
+          </a:xfrm>
+          <a:prstGeom prst="line">
+            <a:avLst/>
+          </a:prstGeom>
+          <a:ln w="28575">
+            <a:solidFill>
+              <a:srgbClr val="C00000"/>
+            </a:solidFill>
+          </a:ln>
+        </p:spPr>
+        <p:style>
+          <a:lnRef idx="3">
+            <a:schemeClr val="accent2"/>
+          </a:lnRef>
+          <a:fillRef idx="0">
+            <a:schemeClr val="accent2"/>
+          </a:fillRef>
+          <a:effectRef idx="2">
+            <a:schemeClr val="accent2"/>
+          </a:effectRef>
+          <a:fontRef idx="minor">
+            <a:schemeClr val="tx1"/>
+          </a:fontRef>
+        </p:style>
+      </p:cxnSp>
+      <p:cxnSp>
+        <p:nvCxnSpPr>
+          <p:cNvPr id="33" name="Straight Connector 32"/>
+          <p:cNvCxnSpPr/>
+          <p:nvPr/>
+        </p:nvCxnSpPr>
+        <p:spPr>
+          <a:xfrm>
+            <a:off x="7705725" y="4686300"/>
+            <a:ext cx="121920" cy="0"/>
+          </a:xfrm>
+          <a:prstGeom prst="line">
+            <a:avLst/>
+          </a:prstGeom>
+          <a:ln w="28575">
+            <a:solidFill>
+              <a:srgbClr val="00B0F0"/>
+            </a:solidFill>
+          </a:ln>
+        </p:spPr>
+        <p:style>
+          <a:lnRef idx="3">
+            <a:schemeClr val="accent2"/>
+          </a:lnRef>
+          <a:fillRef idx="0">
+            <a:schemeClr val="accent2"/>
+          </a:fillRef>
+          <a:effectRef idx="2">
+            <a:schemeClr val="accent2"/>
+          </a:effectRef>
+          <a:fontRef idx="minor">
+            <a:schemeClr val="tx1"/>
+          </a:fontRef>
+        </p:style>
+      </p:cxnSp>
+      <p:cxnSp>
+        <p:nvCxnSpPr>
+          <p:cNvPr id="34" name="Straight Connector 33"/>
+          <p:cNvCxnSpPr/>
+          <p:nvPr/>
+        </p:nvCxnSpPr>
+        <p:spPr>
+          <a:xfrm>
+            <a:off x="7496175" y="4683125"/>
+            <a:ext cx="231775" cy="0"/>
+          </a:xfrm>
+          <a:prstGeom prst="line">
+            <a:avLst/>
+          </a:prstGeom>
+          <a:ln w="28575">
+            <a:solidFill>
+              <a:srgbClr val="C00000"/>
+            </a:solidFill>
+          </a:ln>
+        </p:spPr>
+        <p:style>
+          <a:lnRef idx="3">
+            <a:schemeClr val="accent2"/>
+          </a:lnRef>
+          <a:fillRef idx="0">
+            <a:schemeClr val="accent2"/>
+          </a:fillRef>
+          <a:effectRef idx="2">
+            <a:schemeClr val="accent2"/>
+          </a:effectRef>
+          <a:fontRef idx="minor">
+            <a:schemeClr val="tx1"/>
+          </a:fontRef>
+        </p:style>
+      </p:cxnSp>
+      <p:cxnSp>
+        <p:nvCxnSpPr>
+          <p:cNvPr id="35" name="Straight Connector 34"/>
+          <p:cNvCxnSpPr/>
+          <p:nvPr/>
+        </p:nvCxnSpPr>
+        <p:spPr>
+          <a:xfrm>
+            <a:off x="7832725" y="4686300"/>
+            <a:ext cx="323850" cy="0"/>
+          </a:xfrm>
+          <a:prstGeom prst="line">
+            <a:avLst/>
+          </a:prstGeom>
+          <a:ln w="28575">
+            <a:solidFill>
+              <a:srgbClr val="C00000"/>
+            </a:solidFill>
+          </a:ln>
+        </p:spPr>
+        <p:style>
+          <a:lnRef idx="3">
+            <a:schemeClr val="accent2"/>
+          </a:lnRef>
+          <a:fillRef idx="0">
+            <a:schemeClr val="accent2"/>
+          </a:fillRef>
+          <a:effectRef idx="2">
+            <a:schemeClr val="accent2"/>
+          </a:effectRef>
+          <a:fontRef idx="minor">
+            <a:schemeClr val="tx1"/>
+          </a:fontRef>
+        </p:style>
+      </p:cxnSp>
+      <p:cxnSp>
+        <p:nvCxnSpPr>
+          <p:cNvPr id="36" name="Straight Connector 35"/>
+          <p:cNvCxnSpPr/>
+          <p:nvPr/>
+        </p:nvCxnSpPr>
+        <p:spPr>
+          <a:xfrm>
+            <a:off x="7518400" y="4832350"/>
+            <a:ext cx="657225" cy="0"/>
+          </a:xfrm>
+          <a:prstGeom prst="line">
+            <a:avLst/>
+          </a:prstGeom>
+          <a:ln w="28575">
+            <a:solidFill>
+              <a:srgbClr val="C00000"/>
+            </a:solidFill>
+          </a:ln>
+        </p:spPr>
+        <p:style>
+          <a:lnRef idx="3">
+            <a:schemeClr val="accent2"/>
+          </a:lnRef>
+          <a:fillRef idx="0">
+            <a:schemeClr val="accent2"/>
+          </a:fillRef>
+          <a:effectRef idx="2">
+            <a:schemeClr val="accent2"/>
+          </a:effectRef>
+          <a:fontRef idx="minor">
+            <a:schemeClr val="tx1"/>
+          </a:fontRef>
+        </p:style>
+      </p:cxnSp>
+      <p:cxnSp>
+        <p:nvCxnSpPr>
+          <p:cNvPr id="37" name="Straight Connector 36"/>
+          <p:cNvCxnSpPr/>
+          <p:nvPr/>
+        </p:nvCxnSpPr>
+        <p:spPr>
+          <a:xfrm>
+            <a:off x="8064500" y="4965700"/>
+            <a:ext cx="100330" cy="0"/>
+          </a:xfrm>
+          <a:prstGeom prst="line">
+            <a:avLst/>
+          </a:prstGeom>
+          <a:ln w="28575">
+            <a:solidFill>
+              <a:srgbClr val="C00000"/>
+            </a:solidFill>
+          </a:ln>
+        </p:spPr>
+        <p:style>
+          <a:lnRef idx="3">
+            <a:schemeClr val="accent2"/>
+          </a:lnRef>
+          <a:fillRef idx="0">
+            <a:schemeClr val="accent2"/>
+          </a:fillRef>
+          <a:effectRef idx="2">
+            <a:schemeClr val="accent2"/>
+          </a:effectRef>
+          <a:fontRef idx="minor">
+            <a:schemeClr val="tx1"/>
+          </a:fontRef>
+        </p:style>
+      </p:cxnSp>
+      <p:cxnSp>
+        <p:nvCxnSpPr>
+          <p:cNvPr id="38" name="Straight Connector 37"/>
+          <p:cNvCxnSpPr/>
+          <p:nvPr/>
+        </p:nvCxnSpPr>
+        <p:spPr>
+          <a:xfrm>
+            <a:off x="8790305" y="4765675"/>
+            <a:ext cx="121920" cy="0"/>
+          </a:xfrm>
+          <a:prstGeom prst="line">
+            <a:avLst/>
+          </a:prstGeom>
+          <a:ln w="28575">
+            <a:solidFill>
+              <a:srgbClr val="00B0F0"/>
+            </a:solidFill>
+          </a:ln>
+        </p:spPr>
+        <p:style>
+          <a:lnRef idx="3">
+            <a:schemeClr val="accent2"/>
+          </a:lnRef>
+          <a:fillRef idx="0">
+            <a:schemeClr val="accent2"/>
+          </a:fillRef>
+          <a:effectRef idx="2">
+            <a:schemeClr val="accent2"/>
+          </a:effectRef>
+          <a:fontRef idx="minor">
+            <a:schemeClr val="tx1"/>
+          </a:fontRef>
+        </p:style>
+      </p:cxnSp>
+      <p:cxnSp>
+        <p:nvCxnSpPr>
+          <p:cNvPr id="39" name="Straight Connector 38"/>
+          <p:cNvCxnSpPr/>
+          <p:nvPr/>
+        </p:nvCxnSpPr>
+        <p:spPr>
+          <a:xfrm>
+            <a:off x="8566150" y="4772025"/>
+            <a:ext cx="231775" cy="0"/>
+          </a:xfrm>
+          <a:prstGeom prst="line">
+            <a:avLst/>
+          </a:prstGeom>
+          <a:ln w="28575">
+            <a:solidFill>
+              <a:srgbClr val="C00000"/>
+            </a:solidFill>
+          </a:ln>
+        </p:spPr>
+        <p:style>
+          <a:lnRef idx="3">
+            <a:schemeClr val="accent2"/>
+          </a:lnRef>
+          <a:fillRef idx="0">
+            <a:schemeClr val="accent2"/>
+          </a:fillRef>
+          <a:effectRef idx="2">
+            <a:schemeClr val="accent2"/>
+          </a:effectRef>
+          <a:fontRef idx="minor">
+            <a:schemeClr val="tx1"/>
+          </a:fontRef>
+        </p:style>
+      </p:cxnSp>
+      <p:cxnSp>
+        <p:nvCxnSpPr>
+          <p:cNvPr id="40" name="Straight Connector 39"/>
+          <p:cNvCxnSpPr/>
+          <p:nvPr/>
+        </p:nvCxnSpPr>
+        <p:spPr>
+          <a:xfrm>
+            <a:off x="8902700" y="4765675"/>
+            <a:ext cx="323850" cy="0"/>
+          </a:xfrm>
+          <a:prstGeom prst="line">
+            <a:avLst/>
+          </a:prstGeom>
+          <a:ln w="28575">
+            <a:solidFill>
+              <a:srgbClr val="C00000"/>
+            </a:solidFill>
+          </a:ln>
+        </p:spPr>
+        <p:style>
+          <a:lnRef idx="3">
+            <a:schemeClr val="accent2"/>
+          </a:lnRef>
+          <a:fillRef idx="0">
+            <a:schemeClr val="accent2"/>
+          </a:fillRef>
+          <a:effectRef idx="2">
+            <a:schemeClr val="accent2"/>
+          </a:effectRef>
+          <a:fontRef idx="minor">
+            <a:schemeClr val="tx1"/>
+          </a:fontRef>
+        </p:style>
+      </p:cxnSp>
+      <p:cxnSp>
+        <p:nvCxnSpPr>
+          <p:cNvPr id="41" name="Straight Connector 40"/>
+          <p:cNvCxnSpPr/>
+          <p:nvPr/>
+        </p:nvCxnSpPr>
+        <p:spPr>
+          <a:xfrm>
+            <a:off x="8588375" y="4911725"/>
+            <a:ext cx="657225" cy="0"/>
+          </a:xfrm>
+          <a:prstGeom prst="line">
+            <a:avLst/>
+          </a:prstGeom>
+          <a:ln w="28575">
+            <a:solidFill>
+              <a:srgbClr val="C00000"/>
+            </a:solidFill>
+          </a:ln>
+        </p:spPr>
+        <p:style>
+          <a:lnRef idx="3">
+            <a:schemeClr val="accent2"/>
+          </a:lnRef>
+          <a:fillRef idx="0">
+            <a:schemeClr val="accent2"/>
+          </a:fillRef>
+          <a:effectRef idx="2">
+            <a:schemeClr val="accent2"/>
+          </a:effectRef>
+          <a:fontRef idx="minor">
+            <a:schemeClr val="tx1"/>
+          </a:fontRef>
+        </p:style>
+      </p:cxnSp>
+      <p:cxnSp>
+        <p:nvCxnSpPr>
+          <p:cNvPr id="42" name="Straight Connector 41"/>
+          <p:cNvCxnSpPr/>
+          <p:nvPr/>
+        </p:nvCxnSpPr>
+        <p:spPr>
+          <a:xfrm>
+            <a:off x="4606925" y="1362075"/>
+            <a:ext cx="857250" cy="0"/>
+          </a:xfrm>
+          <a:prstGeom prst="line">
+            <a:avLst/>
+          </a:prstGeom>
+          <a:ln w="28575">
+            <a:solidFill>
+              <a:srgbClr val="00B0F0"/>
+            </a:solidFill>
+          </a:ln>
+        </p:spPr>
+        <p:style>
+          <a:lnRef idx="3">
+            <a:schemeClr val="accent2"/>
+          </a:lnRef>
+          <a:fillRef idx="0">
+            <a:schemeClr val="accent2"/>
+          </a:fillRef>
+          <a:effectRef idx="2">
+            <a:schemeClr val="accent2"/>
+          </a:effectRef>
+          <a:fontRef idx="minor">
+            <a:schemeClr val="tx1"/>
+          </a:fontRef>
+        </p:style>
+      </p:cxnSp>
+      <p:cxnSp>
+        <p:nvCxnSpPr>
+          <p:cNvPr id="43" name="Straight Connector 42"/>
+          <p:cNvCxnSpPr/>
+          <p:nvPr/>
+        </p:nvCxnSpPr>
+        <p:spPr>
+          <a:xfrm>
+            <a:off x="4445000" y="1508125"/>
+            <a:ext cx="1000125" cy="0"/>
+          </a:xfrm>
+          <a:prstGeom prst="line">
+            <a:avLst/>
+          </a:prstGeom>
+          <a:ln w="28575">
+            <a:solidFill>
+              <a:srgbClr val="00B0F0"/>
+            </a:solidFill>
+          </a:ln>
+        </p:spPr>
+        <p:style>
+          <a:lnRef idx="3">
+            <a:schemeClr val="accent2"/>
+          </a:lnRef>
+          <a:fillRef idx="0">
+            <a:schemeClr val="accent2"/>
+          </a:fillRef>
+          <a:effectRef idx="2">
+            <a:schemeClr val="accent2"/>
+          </a:effectRef>
+          <a:fontRef idx="minor">
+            <a:schemeClr val="tx1"/>
+          </a:fontRef>
+        </p:style>
+      </p:cxnSp>
+      <p:cxnSp>
+        <p:nvCxnSpPr>
+          <p:cNvPr id="44" name="Straight Connector 43"/>
+          <p:cNvCxnSpPr/>
+          <p:nvPr/>
+        </p:nvCxnSpPr>
+        <p:spPr>
+          <a:xfrm>
+            <a:off x="4968875" y="1654175"/>
+            <a:ext cx="355600" cy="0"/>
+          </a:xfrm>
+          <a:prstGeom prst="line">
+            <a:avLst/>
+          </a:prstGeom>
+          <a:ln w="28575">
+            <a:solidFill>
+              <a:srgbClr val="00B0F0"/>
+            </a:solidFill>
+          </a:ln>
+        </p:spPr>
+        <p:style>
+          <a:lnRef idx="3">
+            <a:schemeClr val="accent2"/>
+          </a:lnRef>
+          <a:fillRef idx="0">
+            <a:schemeClr val="accent2"/>
+          </a:fillRef>
+          <a:effectRef idx="2">
+            <a:schemeClr val="accent2"/>
+          </a:effectRef>
+          <a:fontRef idx="minor">
+            <a:schemeClr val="tx1"/>
+          </a:fontRef>
+        </p:style>
+      </p:cxnSp>
+      <p:sp>
+        <p:nvSpPr>
+          <p:cNvPr id="45" name="Rounded Rectangle 44"/>
+          <p:cNvSpPr/>
+          <p:nvPr/>
+        </p:nvSpPr>
+        <p:spPr>
+          <a:xfrm>
+            <a:off x="5597525" y="1143000"/>
+            <a:ext cx="4029075" cy="590550"/>
+          </a:xfrm>
+          <a:prstGeom prst="roundRect">
+            <a:avLst/>
+          </a:prstGeom>
+          <a:noFill/>
+          <a:ln>
+            <a:solidFill>
+              <a:srgbClr val="00B0F0"/>
+            </a:solidFill>
+          </a:ln>
+        </p:spPr>
+        <p:style>
+          <a:lnRef idx="2">
+            <a:schemeClr val="accent1">
+              <a:shade val="50000"/>
+            </a:schemeClr>
+          </a:lnRef>
+          <a:fillRef idx="1">
+            <a:schemeClr val="accent1"/>
+          </a:fillRef>
+          <a:effectRef idx="0">
+            <a:schemeClr val="accent1"/>
+          </a:effectRef>
+          <a:fontRef idx="minor">
+            <a:schemeClr val="lt1"/>
+          </a:fontRef>
+        </p:style>
+        <p:txBody>
+          <a:bodyPr rtlCol="0" anchor="ctr"/>
+          <a:p>
+            <a:pPr algn="ctr"/>
+            <a:endParaRPr lang="en-US"/>
+          </a:p>
+        </p:txBody>
+      </p:sp>
+      <p:cxnSp>
+        <p:nvCxnSpPr>
+          <p:cNvPr id="47" name="Straight Connector 46"/>
+          <p:cNvCxnSpPr/>
+          <p:nvPr/>
+        </p:nvCxnSpPr>
+        <p:spPr>
+          <a:xfrm>
+            <a:off x="10126980" y="2822575"/>
+            <a:ext cx="206375" cy="0"/>
+          </a:xfrm>
+          <a:prstGeom prst="line">
+            <a:avLst/>
+          </a:prstGeom>
+          <a:ln w="63500">
+            <a:solidFill>
+              <a:srgbClr val="00B0F0"/>
+            </a:solidFill>
+          </a:ln>
+        </p:spPr>
+        <p:style>
+          <a:lnRef idx="3">
+            <a:schemeClr val="accent2"/>
+          </a:lnRef>
+          <a:fillRef idx="0">
+            <a:schemeClr val="accent2"/>
+          </a:fillRef>
+          <a:effectRef idx="2">
+            <a:schemeClr val="accent2"/>
+          </a:effectRef>
+          <a:fontRef idx="minor">
+            <a:schemeClr val="tx1"/>
+          </a:fontRef>
+        </p:style>
+      </p:cxnSp>
+      <p:cxnSp>
+        <p:nvCxnSpPr>
+          <p:cNvPr id="48" name="Straight Connector 47"/>
+          <p:cNvCxnSpPr/>
+          <p:nvPr/>
+        </p:nvCxnSpPr>
+        <p:spPr>
+          <a:xfrm>
+            <a:off x="10139680" y="3140075"/>
+            <a:ext cx="206375" cy="0"/>
+          </a:xfrm>
+          <a:prstGeom prst="line">
+            <a:avLst/>
+          </a:prstGeom>
+          <a:ln w="63500">
+            <a:solidFill>
+              <a:srgbClr val="C00000"/>
+            </a:solidFill>
+          </a:ln>
+        </p:spPr>
+        <p:style>
+          <a:lnRef idx="3">
+            <a:schemeClr val="accent2"/>
+          </a:lnRef>
+          <a:fillRef idx="0">
+            <a:schemeClr val="accent2"/>
+          </a:fillRef>
+          <a:effectRef idx="2">
+            <a:schemeClr val="accent2"/>
+          </a:effectRef>
+          <a:fontRef idx="minor">
+            <a:schemeClr val="tx1"/>
+          </a:fontRef>
+        </p:style>
+      </p:cxnSp>
+      <p:sp>
+        <p:nvSpPr>
+          <p:cNvPr id="49" name="Text Box 48"/>
+          <p:cNvSpPr txBox="1"/>
+          <p:nvPr/>
+        </p:nvSpPr>
+        <p:spPr>
+          <a:xfrm>
+            <a:off x="10358755" y="2613025"/>
+            <a:ext cx="1009015" cy="368300"/>
+          </a:xfrm>
+          <a:prstGeom prst="rect">
+            <a:avLst/>
+          </a:prstGeom>
+          <a:noFill/>
+        </p:spPr>
+        <p:txBody>
+          <a:bodyPr wrap="none" rtlCol="0">
+            <a:spAutoFit/>
+          </a:bodyPr>
+          <a:p>
+            <a:r>
+              <a:rPr lang="" altLang="en-US">
+                <a:solidFill>
+                  <a:srgbClr val="00B0F0"/>
+                </a:solidFill>
+              </a:rPr>
+              <a:t>attribute</a:t>
+            </a:r>
+            <a:endParaRPr lang="" altLang="en-US">
+              <a:solidFill>
+                <a:srgbClr val="00B0F0"/>
+              </a:solidFill>
+            </a:endParaRPr>
+          </a:p>
+        </p:txBody>
+      </p:sp>
+      <p:sp>
+        <p:nvSpPr>
+          <p:cNvPr id="50" name="Text Box 49"/>
+          <p:cNvSpPr txBox="1"/>
+          <p:nvPr/>
+        </p:nvSpPr>
+        <p:spPr>
+          <a:xfrm>
+            <a:off x="10371455" y="2905125"/>
+            <a:ext cx="589280" cy="368300"/>
+          </a:xfrm>
+          <a:prstGeom prst="rect">
+            <a:avLst/>
+          </a:prstGeom>
+          <a:noFill/>
+        </p:spPr>
+        <p:txBody>
+          <a:bodyPr wrap="none" rtlCol="0">
+            <a:spAutoFit/>
+          </a:bodyPr>
+          <a:p>
+            <a:r>
+              <a:rPr lang="" altLang="en-US">
+                <a:solidFill>
+                  <a:srgbClr val="C00000"/>
+                </a:solidFill>
+              </a:rPr>
+              <a:t>dust</a:t>
+            </a:r>
+            <a:endParaRPr lang="" altLang="en-US">
+              <a:solidFill>
+                <a:srgbClr val="C00000"/>
+              </a:solidFill>
+            </a:endParaRPr>
+          </a:p>
+        </p:txBody>
+      </p:sp>
     </p:spTree>
   </p:cSld>
   <p:clrMapOvr>
@@ -3558,4 +5520,263 @@
     </a:ext>
   </a:extLst>
 </a:theme>
+</file>
+
+<file path=ppt/theme/theme2.xml><?xml version="1.0" encoding="utf-8"?>
+<a:theme xmlns:a="http://schemas.openxmlformats.org/drawingml/2006/main" name="Office Theme">
+  <a:themeElements>
+    <a:clrScheme name="Office">
+      <a:dk1>
+        <a:sysClr val="windowText" lastClr="000000"/>
+      </a:dk1>
+      <a:lt1>
+        <a:sysClr val="window" lastClr="FFFFFF"/>
+      </a:lt1>
+      <a:dk2>
+        <a:srgbClr val="44546A"/>
+      </a:dk2>
+      <a:lt2>
+        <a:srgbClr val="E7E6E6"/>
+      </a:lt2>
+      <a:accent1>
+        <a:srgbClr val="5B9BD5"/>
+      </a:accent1>
+      <a:accent2>
+        <a:srgbClr val="ED7D31"/>
+      </a:accent2>
+      <a:accent3>
+        <a:srgbClr val="A5A5A5"/>
+      </a:accent3>
+      <a:accent4>
+        <a:srgbClr val="FFC000"/>
+      </a:accent4>
+      <a:accent5>
+        <a:srgbClr val="4472C4"/>
+      </a:accent5>
+      <a:accent6>
+        <a:srgbClr val="70AD47"/>
+      </a:accent6>
+      <a:hlink>
+        <a:srgbClr val="0563C1"/>
+      </a:hlink>
+      <a:folHlink>
+        <a:srgbClr val="954F72"/>
+      </a:folHlink>
+    </a:clrScheme>
+    <a:fontScheme name="Office">
+      <a:majorFont>
+        <a:latin typeface="Calibri Light"/>
+        <a:ea typeface=""/>
+        <a:cs typeface=""/>
+        <a:font script="Jpan" typeface="ＭＳ Ｐゴシック"/>
+        <a:font script="Hang" typeface="맑은 고딕"/>
+        <a:font script="Hans" typeface="宋体"/>
+        <a:font script="Hant" typeface="新細明體"/>
+        <a:font script="Arab" typeface="Times New Roman"/>
+        <a:font script="Hebr" typeface="Times New Roman"/>
+        <a:font script="Thai" typeface="Angsana New"/>
+        <a:font script="Ethi" typeface="Nyala"/>
+        <a:font script="Beng" typeface="Vrinda"/>
+        <a:font script="Gujr" typeface="Shruti"/>
+        <a:font script="Khmr" typeface="MoolBoran"/>
+        <a:font script="Knda" typeface="Tunga"/>
+        <a:font script="Guru" typeface="Raavi"/>
+        <a:font script="Cans" typeface="Euphemia"/>
+        <a:font script="Cher" typeface="Plantagenet Cherokee"/>
+        <a:font script="Yiii" typeface="Microsoft Yi Baiti"/>
+        <a:font script="Tibt" typeface="Microsoft Himalaya"/>
+        <a:font script="Thaa" typeface="MV Boli"/>
+        <a:font script="Deva" typeface="Mangal"/>
+        <a:font script="Telu" typeface="Gautami"/>
+        <a:font script="Taml" typeface="Latha"/>
+        <a:font script="Syrc" typeface="Estrangelo Edessa"/>
+        <a:font script="Orya" typeface="Kalinga"/>
+        <a:font script="Mlym" typeface="Kartika"/>
+        <a:font script="Laoo" typeface="DokChampa"/>
+        <a:font script="Sinh" typeface="Iskoola Pota"/>
+        <a:font script="Mong" typeface="Mongolian Baiti"/>
+        <a:font script="Viet" typeface="Times New Roman"/>
+        <a:font script="Uigh" typeface="Microsoft Uighur"/>
+        <a:font script="Geor" typeface="Sylfaen"/>
+      </a:majorFont>
+      <a:minorFont>
+        <a:latin typeface="Calibri"/>
+        <a:ea typeface=""/>
+        <a:cs typeface=""/>
+        <a:font script="Jpan" typeface="ＭＳ Ｐゴシック"/>
+        <a:font script="Hang" typeface="맑은 고딕"/>
+        <a:font script="Hans" typeface="宋体"/>
+        <a:font script="Hant" typeface="新細明體"/>
+        <a:font script="Arab" typeface="Arial"/>
+        <a:font script="Hebr" typeface="Arial"/>
+        <a:font script="Thai" typeface="Cordia New"/>
+        <a:font script="Ethi" typeface="Nyala"/>
+        <a:font script="Beng" typeface="Vrinda"/>
+        <a:font script="Gujr" typeface="Shruti"/>
+        <a:font script="Khmr" typeface="DaunPenh"/>
+        <a:font script="Knda" typeface="Tunga"/>
+        <a:font script="Guru" typeface="Raavi"/>
+        <a:font script="Cans" typeface="Euphemia"/>
+        <a:font script="Cher" typeface="Plantagenet Cherokee"/>
+        <a:font script="Yiii" typeface="Microsoft Yi Baiti"/>
+        <a:font script="Tibt" typeface="Microsoft Himalaya"/>
+        <a:font script="Thaa" typeface="MV Boli"/>
+        <a:font script="Deva" typeface="Mangal"/>
+        <a:font script="Telu" typeface="Gautami"/>
+        <a:font script="Taml" typeface="Latha"/>
+        <a:font script="Syrc" typeface="Estrangelo Edessa"/>
+        <a:font script="Orya" typeface="Kalinga"/>
+        <a:font script="Mlym" typeface="Kartika"/>
+        <a:font script="Laoo" typeface="DokChampa"/>
+        <a:font script="Sinh" typeface="Iskoola Pota"/>
+        <a:font script="Mong" typeface="Mongolian Baiti"/>
+        <a:font script="Viet" typeface="Arial"/>
+        <a:font script="Uigh" typeface="Microsoft Uighur"/>
+        <a:font script="Geor" typeface="Sylfaen"/>
+      </a:minorFont>
+    </a:fontScheme>
+    <a:fmtScheme name="Office">
+      <a:fillStyleLst>
+        <a:solidFill>
+          <a:schemeClr val="phClr"/>
+        </a:solidFill>
+        <a:gradFill rotWithShape="1">
+          <a:gsLst>
+            <a:gs pos="0">
+              <a:schemeClr val="phClr">
+                <a:lumMod val="110000"/>
+                <a:satMod val="105000"/>
+                <a:tint val="67000"/>
+              </a:schemeClr>
+            </a:gs>
+            <a:gs pos="50000">
+              <a:schemeClr val="phClr">
+                <a:lumMod val="105000"/>
+                <a:satMod val="103000"/>
+                <a:tint val="73000"/>
+              </a:schemeClr>
+            </a:gs>
+            <a:gs pos="100000">
+              <a:schemeClr val="phClr">
+                <a:lumMod val="105000"/>
+                <a:satMod val="109000"/>
+                <a:tint val="81000"/>
+              </a:schemeClr>
+            </a:gs>
+          </a:gsLst>
+          <a:lin ang="5400000" scaled="0"/>
+        </a:gradFill>
+        <a:gradFill rotWithShape="1">
+          <a:gsLst>
+            <a:gs pos="0">
+              <a:schemeClr val="phClr">
+                <a:satMod val="103000"/>
+                <a:lumMod val="102000"/>
+                <a:tint val="94000"/>
+              </a:schemeClr>
+            </a:gs>
+            <a:gs pos="50000">
+              <a:schemeClr val="phClr">
+                <a:satMod val="110000"/>
+                <a:lumMod val="100000"/>
+                <a:shade val="100000"/>
+              </a:schemeClr>
+            </a:gs>
+            <a:gs pos="100000">
+              <a:schemeClr val="phClr">
+                <a:lumMod val="99000"/>
+                <a:satMod val="120000"/>
+                <a:shade val="78000"/>
+              </a:schemeClr>
+            </a:gs>
+          </a:gsLst>
+          <a:lin ang="5400000" scaled="0"/>
+        </a:gradFill>
+      </a:fillStyleLst>
+      <a:lnStyleLst>
+        <a:ln w="6350" cap="flat" cmpd="sng" algn="ctr">
+          <a:solidFill>
+            <a:schemeClr val="phClr"/>
+          </a:solidFill>
+          <a:prstDash val="solid"/>
+          <a:miter lim="800000"/>
+        </a:ln>
+        <a:ln w="12700" cap="flat" cmpd="sng" algn="ctr">
+          <a:solidFill>
+            <a:schemeClr val="phClr"/>
+          </a:solidFill>
+          <a:prstDash val="solid"/>
+          <a:miter lim="800000"/>
+        </a:ln>
+        <a:ln w="19050" cap="flat" cmpd="sng" algn="ctr">
+          <a:solidFill>
+            <a:schemeClr val="phClr"/>
+          </a:solidFill>
+          <a:prstDash val="solid"/>
+          <a:miter lim="800000"/>
+        </a:ln>
+      </a:lnStyleLst>
+      <a:effectStyleLst>
+        <a:effectStyle>
+          <a:effectLst/>
+        </a:effectStyle>
+        <a:effectStyle>
+          <a:effectLst/>
+        </a:effectStyle>
+        <a:effectStyle>
+          <a:effectLst>
+            <a:outerShdw blurRad="57150" dist="19050" dir="5400000" algn="ctr" rotWithShape="0">
+              <a:srgbClr val="000000">
+                <a:alpha val="63000"/>
+              </a:srgbClr>
+            </a:outerShdw>
+          </a:effectLst>
+        </a:effectStyle>
+      </a:effectStyleLst>
+      <a:bgFillStyleLst>
+        <a:solidFill>
+          <a:schemeClr val="phClr"/>
+        </a:solidFill>
+        <a:solidFill>
+          <a:schemeClr val="phClr">
+            <a:tint val="95000"/>
+            <a:satMod val="170000"/>
+          </a:schemeClr>
+        </a:solidFill>
+        <a:gradFill rotWithShape="1">
+          <a:gsLst>
+            <a:gs pos="0">
+              <a:schemeClr val="phClr">
+                <a:tint val="93000"/>
+                <a:satMod val="150000"/>
+                <a:shade val="98000"/>
+                <a:lumMod val="102000"/>
+              </a:schemeClr>
+            </a:gs>
+            <a:gs pos="50000">
+              <a:schemeClr val="phClr">
+                <a:tint val="98000"/>
+                <a:satMod val="130000"/>
+                <a:shade val="90000"/>
+                <a:lumMod val="103000"/>
+              </a:schemeClr>
+            </a:gs>
+            <a:gs pos="100000">
+              <a:schemeClr val="phClr">
+                <a:shade val="63000"/>
+                <a:satMod val="120000"/>
+              </a:schemeClr>
+            </a:gs>
+          </a:gsLst>
+          <a:lin ang="5400000" scaled="0"/>
+        </a:gradFill>
+      </a:bgFillStyleLst>
+    </a:fmtScheme>
+  </a:themeElements>
+  <a:extLst>
+    <a:ext uri="{05A4C25C-085E-4340-85A3-A5531E510DB2}">
+      <thm15:themeFamily xmlns:thm15="http://schemas.microsoft.com/office/thememl/2012/main" name="Office Theme" id="{62F939B6-93AF-4DB8-9C6B-D6C7DFDC589F}" vid="{4A3C46E8-61CC-4603-A589-7422A47A8E4A}"/>
+    </a:ext>
+  </a:extLst>
+</a:theme>
 </file>
--- a/img/Aldeia da Serra Project.pptx
+++ b/img/Aldeia da Serra Project.pptx
@@ -12,6 +12,8 @@
     <p:sldId id="259" r:id="rId4"/>
     <p:sldId id="260" r:id="rId5"/>
     <p:sldId id="261" r:id="rId6"/>
+    <p:sldId id="262" r:id="rId8"/>
+    <p:sldId id="263" r:id="rId9"/>
   </p:sldIdLst>
   <p:sldSz cx="12192000" cy="6858000"/>
   <p:notesSz cx="7103745" cy="10234295"/>
@@ -5252,6 +5254,457 @@
                 <a:srgbClr val="C00000"/>
               </a:solidFill>
             </a:endParaRPr>
+          </a:p>
+        </p:txBody>
+      </p:sp>
+    </p:spTree>
+  </p:cSld>
+  <p:clrMapOvr>
+    <a:masterClrMapping/>
+  </p:clrMapOvr>
+</p:sld>
+</file>
+
+<file path=ppt/slides/slide5.xml><?xml version="1.0" encoding="utf-8"?>
+<p:sld xmlns:a="http://schemas.openxmlformats.org/drawingml/2006/main" xmlns:r="http://schemas.openxmlformats.org/officeDocument/2006/relationships" xmlns:p="http://schemas.openxmlformats.org/presentationml/2006/main">
+  <p:cSld>
+    <p:spTree>
+      <p:nvGrpSpPr>
+        <p:cNvPr id="1" name=""/>
+        <p:cNvGrpSpPr/>
+        <p:nvPr/>
+      </p:nvGrpSpPr>
+      <p:grpSpPr/>
+      <p:pic>
+        <p:nvPicPr>
+          <p:cNvPr id="4" name="Picture 3"/>
+          <p:cNvPicPr>
+            <a:picLocks noChangeAspect="1"/>
+          </p:cNvPicPr>
+          <p:nvPr/>
+        </p:nvPicPr>
+        <p:blipFill>
+          <a:blip r:embed="rId1"/>
+          <a:stretch>
+            <a:fillRect/>
+          </a:stretch>
+        </p:blipFill>
+        <p:spPr>
+          <a:xfrm>
+            <a:off x="63500" y="2393315"/>
+            <a:ext cx="11976100" cy="1978660"/>
+          </a:xfrm>
+          <a:prstGeom prst="rect">
+            <a:avLst/>
+          </a:prstGeom>
+        </p:spPr>
+      </p:pic>
+      <p:sp>
+        <p:nvSpPr>
+          <p:cNvPr id="5" name="Rounded Rectangle 4"/>
+          <p:cNvSpPr/>
+          <p:nvPr/>
+        </p:nvSpPr>
+        <p:spPr>
+          <a:xfrm>
+            <a:off x="400050" y="2362200"/>
+            <a:ext cx="3949700" cy="1993900"/>
+          </a:xfrm>
+          <a:prstGeom prst="roundRect">
+            <a:avLst/>
+          </a:prstGeom>
+          <a:noFill/>
+          <a:ln w="34925">
+            <a:solidFill>
+              <a:srgbClr val="FF1B1B"/>
+            </a:solidFill>
+          </a:ln>
+          <a:extLst>
+            <a:ext uri="{909E8E84-426E-40DD-AFC4-6F175D3DCCD1}">
+              <a14:hiddenFill xmlns:a14="http://schemas.microsoft.com/office/drawing/2010/main">
+                <a:solidFill>
+                  <a:schemeClr val="bg1"/>
+                </a:solidFill>
+              </a14:hiddenFill>
+            </a:ext>
+          </a:extLst>
+        </p:spPr>
+        <p:style>
+          <a:lnRef idx="2">
+            <a:schemeClr val="accent1">
+              <a:shade val="50000"/>
+            </a:schemeClr>
+          </a:lnRef>
+          <a:fillRef idx="1">
+            <a:schemeClr val="accent1"/>
+          </a:fillRef>
+          <a:effectRef idx="0">
+            <a:schemeClr val="accent1"/>
+          </a:effectRef>
+          <a:fontRef idx="minor">
+            <a:schemeClr val="lt1"/>
+          </a:fontRef>
+        </p:style>
+        <p:txBody>
+          <a:bodyPr rtlCol="0" anchor="ctr"/>
+          <a:p>
+            <a:pPr algn="ctr"/>
+            <a:endParaRPr lang="en-US"/>
+          </a:p>
+        </p:txBody>
+      </p:sp>
+      <p:sp>
+        <p:nvSpPr>
+          <p:cNvPr id="6" name="Rounded Rectangle 5"/>
+          <p:cNvSpPr/>
+          <p:nvPr/>
+        </p:nvSpPr>
+        <p:spPr>
+          <a:xfrm>
+            <a:off x="4401185" y="2378075"/>
+            <a:ext cx="3367405" cy="1993900"/>
+          </a:xfrm>
+          <a:prstGeom prst="roundRect">
+            <a:avLst/>
+          </a:prstGeom>
+          <a:noFill/>
+          <a:ln w="34925">
+            <a:solidFill>
+              <a:schemeClr val="accent4">
+                <a:lumMod val="40000"/>
+                <a:lumOff val="60000"/>
+              </a:schemeClr>
+            </a:solidFill>
+          </a:ln>
+          <a:extLst>
+            <a:ext uri="{909E8E84-426E-40DD-AFC4-6F175D3DCCD1}">
+              <a14:hiddenFill xmlns:a14="http://schemas.microsoft.com/office/drawing/2010/main">
+                <a:solidFill>
+                  <a:schemeClr val="bg1"/>
+                </a:solidFill>
+              </a14:hiddenFill>
+            </a:ext>
+          </a:extLst>
+        </p:spPr>
+        <p:style>
+          <a:lnRef idx="2">
+            <a:schemeClr val="accent1">
+              <a:shade val="50000"/>
+            </a:schemeClr>
+          </a:lnRef>
+          <a:fillRef idx="1">
+            <a:schemeClr val="accent1"/>
+          </a:fillRef>
+          <a:effectRef idx="0">
+            <a:schemeClr val="accent1"/>
+          </a:effectRef>
+          <a:fontRef idx="minor">
+            <a:schemeClr val="lt1"/>
+          </a:fontRef>
+        </p:style>
+        <p:txBody>
+          <a:bodyPr rtlCol="0" anchor="ctr"/>
+          <a:p>
+            <a:pPr algn="ctr"/>
+            <a:endParaRPr lang="en-US"/>
+          </a:p>
+        </p:txBody>
+      </p:sp>
+      <p:sp>
+        <p:nvSpPr>
+          <p:cNvPr id="7" name="Rounded Rectangle 6"/>
+          <p:cNvSpPr/>
+          <p:nvPr/>
+        </p:nvSpPr>
+        <p:spPr>
+          <a:xfrm>
+            <a:off x="7857490" y="2362200"/>
+            <a:ext cx="4182110" cy="1993900"/>
+          </a:xfrm>
+          <a:prstGeom prst="roundRect">
+            <a:avLst/>
+          </a:prstGeom>
+          <a:noFill/>
+          <a:ln w="34925">
+            <a:solidFill>
+              <a:schemeClr val="accent6">
+                <a:lumMod val="60000"/>
+                <a:lumOff val="40000"/>
+              </a:schemeClr>
+            </a:solidFill>
+          </a:ln>
+          <a:extLst>
+            <a:ext uri="{909E8E84-426E-40DD-AFC4-6F175D3DCCD1}">
+              <a14:hiddenFill xmlns:a14="http://schemas.microsoft.com/office/drawing/2010/main">
+                <a:solidFill>
+                  <a:schemeClr val="bg1"/>
+                </a:solidFill>
+              </a14:hiddenFill>
+            </a:ext>
+          </a:extLst>
+        </p:spPr>
+        <p:style>
+          <a:lnRef idx="2">
+            <a:schemeClr val="accent1">
+              <a:shade val="50000"/>
+            </a:schemeClr>
+          </a:lnRef>
+          <a:fillRef idx="1">
+            <a:schemeClr val="accent1"/>
+          </a:fillRef>
+          <a:effectRef idx="0">
+            <a:schemeClr val="accent1"/>
+          </a:effectRef>
+          <a:fontRef idx="minor">
+            <a:schemeClr val="lt1"/>
+          </a:fontRef>
+        </p:style>
+        <p:txBody>
+          <a:bodyPr rtlCol="0" anchor="ctr"/>
+          <a:p>
+            <a:pPr algn="ctr"/>
+            <a:endParaRPr lang="en-US"/>
+          </a:p>
+        </p:txBody>
+      </p:sp>
+      <p:sp>
+        <p:nvSpPr>
+          <p:cNvPr id="8" name="Text Box 7"/>
+          <p:cNvSpPr txBox="1"/>
+          <p:nvPr/>
+        </p:nvSpPr>
+        <p:spPr>
+          <a:xfrm>
+            <a:off x="1992630" y="1847215"/>
+            <a:ext cx="765175" cy="306705"/>
+          </a:xfrm>
+          <a:prstGeom prst="rect">
+            <a:avLst/>
+          </a:prstGeom>
+          <a:noFill/>
+        </p:spPr>
+        <p:txBody>
+          <a:bodyPr wrap="none" rtlCol="0">
+            <a:spAutoFit/>
+          </a:bodyPr>
+          <a:p>
+            <a:r>
+              <a:rPr lang="" altLang="en-US" sz="1400" b="1">
+                <a:solidFill>
+                  <a:srgbClr val="7030A0"/>
+                </a:solidFill>
+              </a:rPr>
+              <a:t>Original</a:t>
+            </a:r>
+            <a:endParaRPr lang="" altLang="en-US" sz="1400" b="1">
+              <a:solidFill>
+                <a:srgbClr val="7030A0"/>
+              </a:solidFill>
+            </a:endParaRPr>
+          </a:p>
+        </p:txBody>
+      </p:sp>
+      <p:sp>
+        <p:nvSpPr>
+          <p:cNvPr id="9" name="Text Box 8"/>
+          <p:cNvSpPr txBox="1"/>
+          <p:nvPr/>
+        </p:nvSpPr>
+        <p:spPr>
+          <a:xfrm>
+            <a:off x="4989830" y="1752600"/>
+            <a:ext cx="2132330" cy="521970"/>
+          </a:xfrm>
+          <a:prstGeom prst="rect">
+            <a:avLst/>
+          </a:prstGeom>
+          <a:noFill/>
+        </p:spPr>
+        <p:txBody>
+          <a:bodyPr wrap="none" rtlCol="0">
+            <a:spAutoFit/>
+          </a:bodyPr>
+          <a:p>
+            <a:pPr algn="ctr"/>
+            <a:r>
+              <a:rPr lang="" altLang="en-US" sz="1400" b="1">
+                <a:solidFill>
+                  <a:srgbClr val="7030A0"/>
+                </a:solidFill>
+              </a:rPr>
+              <a:t>Temporay with separators</a:t>
+            </a:r>
+            <a:endParaRPr lang="" altLang="en-US" sz="1400" b="1">
+              <a:solidFill>
+                <a:srgbClr val="7030A0"/>
+              </a:solidFill>
+            </a:endParaRPr>
+          </a:p>
+          <a:p>
+            <a:pPr algn="ctr"/>
+            <a:r>
+              <a:rPr lang="" altLang="en-US" sz="1400" b="1">
+                <a:solidFill>
+                  <a:srgbClr val="7030A0"/>
+                </a:solidFill>
+              </a:rPr>
+              <a:t>“,” and “@”</a:t>
+            </a:r>
+            <a:endParaRPr lang="" altLang="en-US" sz="1400" b="1">
+              <a:solidFill>
+                <a:srgbClr val="7030A0"/>
+              </a:solidFill>
+            </a:endParaRPr>
+          </a:p>
+        </p:txBody>
+      </p:sp>
+      <p:sp>
+        <p:nvSpPr>
+          <p:cNvPr id="10" name="Text Box 9"/>
+          <p:cNvSpPr txBox="1"/>
+          <p:nvPr/>
+        </p:nvSpPr>
+        <p:spPr>
+          <a:xfrm>
+            <a:off x="9626283" y="1739900"/>
+            <a:ext cx="644525" cy="306705"/>
+          </a:xfrm>
+          <a:prstGeom prst="rect">
+            <a:avLst/>
+          </a:prstGeom>
+          <a:noFill/>
+        </p:spPr>
+        <p:txBody>
+          <a:bodyPr wrap="none" rtlCol="0">
+            <a:spAutoFit/>
+          </a:bodyPr>
+          <a:p>
+            <a:pPr algn="ctr"/>
+            <a:r>
+              <a:rPr lang="" altLang="en-US" sz="1400" b="1">
+                <a:solidFill>
+                  <a:srgbClr val="7030A0"/>
+                </a:solidFill>
+              </a:rPr>
+              <a:t>Result</a:t>
+            </a:r>
+            <a:endParaRPr lang="" altLang="en-US" sz="1400" b="1">
+              <a:solidFill>
+                <a:srgbClr val="7030A0"/>
+              </a:solidFill>
+            </a:endParaRPr>
+          </a:p>
+        </p:txBody>
+      </p:sp>
+    </p:spTree>
+  </p:cSld>
+  <p:clrMapOvr>
+    <a:masterClrMapping/>
+  </p:clrMapOvr>
+</p:sld>
+</file>
+
+<file path=ppt/slides/slide6.xml><?xml version="1.0" encoding="utf-8"?>
+<p:sld xmlns:a="http://schemas.openxmlformats.org/drawingml/2006/main" xmlns:r="http://schemas.openxmlformats.org/officeDocument/2006/relationships" xmlns:p="http://schemas.openxmlformats.org/presentationml/2006/main">
+  <p:cSld>
+    <p:spTree>
+      <p:nvGrpSpPr>
+        <p:cNvPr id="1" name=""/>
+        <p:cNvGrpSpPr/>
+        <p:nvPr/>
+      </p:nvGrpSpPr>
+      <p:grpSpPr/>
+      <p:sp>
+        <p:nvSpPr>
+          <p:cNvPr id="2" name="Title 1"/>
+          <p:cNvSpPr>
+            <a:spLocks noGrp="1"/>
+          </p:cNvSpPr>
+          <p:nvPr>
+            <p:ph type="title"/>
+          </p:nvPr>
+        </p:nvSpPr>
+        <p:spPr/>
+        <p:txBody>
+          <a:bodyPr/>
+          <a:p>
+            <a:r>
+              <a:rPr lang="" altLang="en-US"/>
+              <a:t>Linkedin post</a:t>
+            </a:r>
+            <a:endParaRPr lang="" altLang="en-US"/>
+          </a:p>
+        </p:txBody>
+      </p:sp>
+      <p:sp>
+        <p:nvSpPr>
+          <p:cNvPr id="3" name="Content Placeholder 2"/>
+          <p:cNvSpPr>
+            <a:spLocks noGrp="1"/>
+          </p:cNvSpPr>
+          <p:nvPr>
+            <p:ph idx="1"/>
+          </p:nvPr>
+        </p:nvSpPr>
+        <p:spPr>
+          <a:xfrm>
+            <a:off x="571500" y="1875155"/>
+            <a:ext cx="6197600" cy="3805555"/>
+          </a:xfrm>
+        </p:spPr>
+        <p:txBody>
+          <a:bodyPr>
+            <a:noAutofit/>
+          </a:bodyPr>
+          <a:p>
+            <a:pPr marL="0" indent="0">
+              <a:buNone/>
+            </a:pPr>
+            <a:r>
+              <a:rPr lang="en-US" sz="1400"/>
+              <a:t>This is my very first PYTHON project developed to exercise Python programming, WEB SCRAPING and MACHINE LEARNING skills that I've been developing in the last 18 months together with other tools.</a:t>
+            </a:r>
+            <a:endParaRPr lang="en-US" sz="1400"/>
+          </a:p>
+          <a:p>
+            <a:pPr marL="0" indent="0">
+              <a:buNone/>
+            </a:pPr>
+            <a:r>
+              <a:rPr lang="en-US" sz="1400"/>
+              <a:t>It's comprised of 5 sections mentioned (web scraping, data cleansing, exploratory data analysis, machine learning and deployment). The first two are already available.</a:t>
+            </a:r>
+            <a:endParaRPr lang="en-US" sz="1400"/>
+          </a:p>
+          <a:p>
+            <a:pPr marL="0" indent="0">
+              <a:buNone/>
+            </a:pPr>
+            <a:r>
+              <a:rPr lang="en-US" sz="1400"/>
+              <a:t>The ULTIMATE GOAL is to recommend price for new houses advertisements considering its attributes such as constructed area, condominium where it's located, number of bedrooms, number of bathrooms, number of en suites and number of car spaces.</a:t>
+            </a:r>
+            <a:endParaRPr lang="en-US" sz="1400"/>
+          </a:p>
+          <a:p>
+            <a:pPr marL="0" indent="0">
+              <a:buNone/>
+            </a:pPr>
+            <a:r>
+              <a:rPr lang="en-US" sz="1400"/>
+              <a:t>This is intended to be the first of a series of projects that will also include machine learning models for forecasting, classification, recommendation and so on.</a:t>
+            </a:r>
+            <a:endParaRPr lang="en-US" sz="1400"/>
+          </a:p>
+          <a:p>
+            <a:pPr marL="0" indent="0">
+              <a:buNone/>
+            </a:pPr>
+            <a:r>
+              <a:rPr lang="en-US" sz="1400"/>
+              <a:t>I'll also include at my GitHub address ( github.com/glaubercss ) information of my Business intelligence projects that are already developed, including ETL processes.</a:t>
+            </a:r>
+            <a:endParaRPr lang="en-US" sz="1400"/>
           </a:p>
         </p:txBody>
       </p:sp>
